--- a/classes/C0/slide/Presentacion 1710 - C0.pptx
+++ b/classes/C0/slide/Presentacion 1710 - C0.pptx
@@ -4,6 +4,9 @@
   <p:sldMasterIdLst>
     <p:sldMasterId id="2147483648" r:id="rId1"/>
   </p:sldMasterIdLst>
+  <p:notesMasterIdLst>
+    <p:notesMasterId r:id="rId12"/>
+  </p:notesMasterIdLst>
   <p:sldIdLst>
     <p:sldId id="256" r:id="rId2"/>
     <p:sldId id="257" r:id="rId3"/>
@@ -12,8 +15,9 @@
     <p:sldId id="263" r:id="rId6"/>
     <p:sldId id="262" r:id="rId7"/>
     <p:sldId id="264" r:id="rId8"/>
-    <p:sldId id="260" r:id="rId9"/>
-    <p:sldId id="261" r:id="rId10"/>
+    <p:sldId id="265" r:id="rId9"/>
+    <p:sldId id="260" r:id="rId10"/>
+    <p:sldId id="261" r:id="rId11"/>
   </p:sldIdLst>
   <p:sldSz cx="12192000" cy="6858000"/>
   <p:notesSz cx="6858000" cy="9144000"/>
@@ -118,6 +122,524 @@
     </p:ext>
   </p:extLst>
 </p:presentation>
+</file>
+
+<file path=ppt/notesMasters/notesMaster1.xml><?xml version="1.0" encoding="utf-8"?>
+<p:notesMaster xmlns:a="http://schemas.openxmlformats.org/drawingml/2006/main" xmlns:r="http://schemas.openxmlformats.org/officeDocument/2006/relationships" xmlns:p="http://schemas.openxmlformats.org/presentationml/2006/main">
+  <p:cSld>
+    <p:bg>
+      <p:bgRef idx="1001">
+        <a:schemeClr val="bg1"/>
+      </p:bgRef>
+    </p:bg>
+    <p:spTree>
+      <p:nvGrpSpPr>
+        <p:cNvPr id="1" name=""/>
+        <p:cNvGrpSpPr/>
+        <p:nvPr/>
+      </p:nvGrpSpPr>
+      <p:grpSpPr>
+        <a:xfrm>
+          <a:off x="0" y="0"/>
+          <a:ext cx="0" cy="0"/>
+          <a:chOff x="0" y="0"/>
+          <a:chExt cx="0" cy="0"/>
+        </a:xfrm>
+      </p:grpSpPr>
+      <p:sp>
+        <p:nvSpPr>
+          <p:cNvPr id="2" name="Header Placeholder 1"/>
+          <p:cNvSpPr>
+            <a:spLocks noGrp="1"/>
+          </p:cNvSpPr>
+          <p:nvPr>
+            <p:ph type="hdr" sz="quarter"/>
+          </p:nvPr>
+        </p:nvSpPr>
+        <p:spPr>
+          <a:xfrm>
+            <a:off x="0" y="0"/>
+            <a:ext cx="2971800" cy="458788"/>
+          </a:xfrm>
+          <a:prstGeom prst="rect">
+            <a:avLst/>
+          </a:prstGeom>
+        </p:spPr>
+        <p:txBody>
+          <a:bodyPr vert="horz" lIns="91440" tIns="45720" rIns="91440" bIns="45720" rtlCol="0"/>
+          <a:lstStyle>
+            <a:lvl1pPr algn="l">
+              <a:defRPr sz="1200"/>
+            </a:lvl1pPr>
+          </a:lstStyle>
+          <a:p>
+            <a:endParaRPr lang="en-CO"/>
+          </a:p>
+        </p:txBody>
+      </p:sp>
+      <p:sp>
+        <p:nvSpPr>
+          <p:cNvPr id="3" name="Date Placeholder 2"/>
+          <p:cNvSpPr>
+            <a:spLocks noGrp="1"/>
+          </p:cNvSpPr>
+          <p:nvPr>
+            <p:ph type="dt" idx="1"/>
+          </p:nvPr>
+        </p:nvSpPr>
+        <p:spPr>
+          <a:xfrm>
+            <a:off x="3884613" y="0"/>
+            <a:ext cx="2971800" cy="458788"/>
+          </a:xfrm>
+          <a:prstGeom prst="rect">
+            <a:avLst/>
+          </a:prstGeom>
+        </p:spPr>
+        <p:txBody>
+          <a:bodyPr vert="horz" lIns="91440" tIns="45720" rIns="91440" bIns="45720" rtlCol="0"/>
+          <a:lstStyle>
+            <a:lvl1pPr algn="r">
+              <a:defRPr sz="1200"/>
+            </a:lvl1pPr>
+          </a:lstStyle>
+          <a:p>
+            <a:fld id="{1D75B2A4-AF54-794B-B2B6-74717721B1BB}" type="datetimeFigureOut">
+              <a:rPr lang="en-CO" smtClean="0"/>
+              <a:t>17/10/23</a:t>
+            </a:fld>
+            <a:endParaRPr lang="en-CO"/>
+          </a:p>
+        </p:txBody>
+      </p:sp>
+      <p:sp>
+        <p:nvSpPr>
+          <p:cNvPr id="4" name="Slide Image Placeholder 3"/>
+          <p:cNvSpPr>
+            <a:spLocks noGrp="1" noRot="1" noChangeAspect="1"/>
+          </p:cNvSpPr>
+          <p:nvPr>
+            <p:ph type="sldImg" idx="2"/>
+          </p:nvPr>
+        </p:nvSpPr>
+        <p:spPr>
+          <a:xfrm>
+            <a:off x="685800" y="1143000"/>
+            <a:ext cx="5486400" cy="3086100"/>
+          </a:xfrm>
+          <a:prstGeom prst="rect">
+            <a:avLst/>
+          </a:prstGeom>
+          <a:noFill/>
+          <a:ln w="12700">
+            <a:solidFill>
+              <a:prstClr val="black"/>
+            </a:solidFill>
+          </a:ln>
+        </p:spPr>
+        <p:txBody>
+          <a:bodyPr vert="horz" lIns="91440" tIns="45720" rIns="91440" bIns="45720" rtlCol="0" anchor="ctr"/>
+          <a:lstStyle/>
+          <a:p>
+            <a:endParaRPr lang="en-CO"/>
+          </a:p>
+        </p:txBody>
+      </p:sp>
+      <p:sp>
+        <p:nvSpPr>
+          <p:cNvPr id="5" name="Notes Placeholder 4"/>
+          <p:cNvSpPr>
+            <a:spLocks noGrp="1"/>
+          </p:cNvSpPr>
+          <p:nvPr>
+            <p:ph type="body" sz="quarter" idx="3"/>
+          </p:nvPr>
+        </p:nvSpPr>
+        <p:spPr>
+          <a:xfrm>
+            <a:off x="685800" y="4400550"/>
+            <a:ext cx="5486400" cy="3600450"/>
+          </a:xfrm>
+          <a:prstGeom prst="rect">
+            <a:avLst/>
+          </a:prstGeom>
+        </p:spPr>
+        <p:txBody>
+          <a:bodyPr vert="horz" lIns="91440" tIns="45720" rIns="91440" bIns="45720" rtlCol="0"/>
+          <a:lstStyle/>
+          <a:p>
+            <a:pPr lvl="0"/>
+            <a:r>
+              <a:rPr lang="en-US"/>
+              <a:t>Click to edit Master text styles</a:t>
+            </a:r>
+          </a:p>
+          <a:p>
+            <a:pPr lvl="1"/>
+            <a:r>
+              <a:rPr lang="en-US"/>
+              <a:t>Second level</a:t>
+            </a:r>
+          </a:p>
+          <a:p>
+            <a:pPr lvl="2"/>
+            <a:r>
+              <a:rPr lang="en-US"/>
+              <a:t>Third level</a:t>
+            </a:r>
+          </a:p>
+          <a:p>
+            <a:pPr lvl="3"/>
+            <a:r>
+              <a:rPr lang="en-US"/>
+              <a:t>Fourth level</a:t>
+            </a:r>
+          </a:p>
+          <a:p>
+            <a:pPr lvl="4"/>
+            <a:r>
+              <a:rPr lang="en-US"/>
+              <a:t>Fifth level</a:t>
+            </a:r>
+            <a:endParaRPr lang="en-CO"/>
+          </a:p>
+        </p:txBody>
+      </p:sp>
+      <p:sp>
+        <p:nvSpPr>
+          <p:cNvPr id="6" name="Footer Placeholder 5"/>
+          <p:cNvSpPr>
+            <a:spLocks noGrp="1"/>
+          </p:cNvSpPr>
+          <p:nvPr>
+            <p:ph type="ftr" sz="quarter" idx="4"/>
+          </p:nvPr>
+        </p:nvSpPr>
+        <p:spPr>
+          <a:xfrm>
+            <a:off x="0" y="8685213"/>
+            <a:ext cx="2971800" cy="458787"/>
+          </a:xfrm>
+          <a:prstGeom prst="rect">
+            <a:avLst/>
+          </a:prstGeom>
+        </p:spPr>
+        <p:txBody>
+          <a:bodyPr vert="horz" lIns="91440" tIns="45720" rIns="91440" bIns="45720" rtlCol="0" anchor="b"/>
+          <a:lstStyle>
+            <a:lvl1pPr algn="l">
+              <a:defRPr sz="1200"/>
+            </a:lvl1pPr>
+          </a:lstStyle>
+          <a:p>
+            <a:endParaRPr lang="en-CO"/>
+          </a:p>
+        </p:txBody>
+      </p:sp>
+      <p:sp>
+        <p:nvSpPr>
+          <p:cNvPr id="7" name="Slide Number Placeholder 6"/>
+          <p:cNvSpPr>
+            <a:spLocks noGrp="1"/>
+          </p:cNvSpPr>
+          <p:nvPr>
+            <p:ph type="sldNum" sz="quarter" idx="5"/>
+          </p:nvPr>
+        </p:nvSpPr>
+        <p:spPr>
+          <a:xfrm>
+            <a:off x="3884613" y="8685213"/>
+            <a:ext cx="2971800" cy="458787"/>
+          </a:xfrm>
+          <a:prstGeom prst="rect">
+            <a:avLst/>
+          </a:prstGeom>
+        </p:spPr>
+        <p:txBody>
+          <a:bodyPr vert="horz" lIns="91440" tIns="45720" rIns="91440" bIns="45720" rtlCol="0" anchor="b"/>
+          <a:lstStyle>
+            <a:lvl1pPr algn="r">
+              <a:defRPr sz="1200"/>
+            </a:lvl1pPr>
+          </a:lstStyle>
+          <a:p>
+            <a:fld id="{14707AD0-4195-5740-9617-47CC2C752DAE}" type="slidenum">
+              <a:rPr lang="en-CO" smtClean="0"/>
+              <a:t>‹#›</a:t>
+            </a:fld>
+            <a:endParaRPr lang="en-CO"/>
+          </a:p>
+        </p:txBody>
+      </p:sp>
+    </p:spTree>
+    <p:extLst>
+      <p:ext uri="{BB962C8B-B14F-4D97-AF65-F5344CB8AC3E}">
+        <p14:creationId xmlns:p14="http://schemas.microsoft.com/office/powerpoint/2010/main" val="3377049762"/>
+      </p:ext>
+    </p:extLst>
+  </p:cSld>
+  <p:clrMap bg1="lt1" tx1="dk1" bg2="lt2" tx2="dk2" accent1="accent1" accent2="accent2" accent3="accent3" accent4="accent4" accent5="accent5" accent6="accent6" hlink="hlink" folHlink="folHlink"/>
+  <p:notesStyle>
+    <a:lvl1pPr marL="0" algn="l" defTabSz="914400" rtl="0" eaLnBrk="1" latinLnBrk="0" hangingPunct="1">
+      <a:defRPr sz="1200" kern="1200">
+        <a:solidFill>
+          <a:schemeClr val="tx1"/>
+        </a:solidFill>
+        <a:latin typeface="+mn-lt"/>
+        <a:ea typeface="+mn-ea"/>
+        <a:cs typeface="+mn-cs"/>
+      </a:defRPr>
+    </a:lvl1pPr>
+    <a:lvl2pPr marL="457200" algn="l" defTabSz="914400" rtl="0" eaLnBrk="1" latinLnBrk="0" hangingPunct="1">
+      <a:defRPr sz="1200" kern="1200">
+        <a:solidFill>
+          <a:schemeClr val="tx1"/>
+        </a:solidFill>
+        <a:latin typeface="+mn-lt"/>
+        <a:ea typeface="+mn-ea"/>
+        <a:cs typeface="+mn-cs"/>
+      </a:defRPr>
+    </a:lvl2pPr>
+    <a:lvl3pPr marL="914400" algn="l" defTabSz="914400" rtl="0" eaLnBrk="1" latinLnBrk="0" hangingPunct="1">
+      <a:defRPr sz="1200" kern="1200">
+        <a:solidFill>
+          <a:schemeClr val="tx1"/>
+        </a:solidFill>
+        <a:latin typeface="+mn-lt"/>
+        <a:ea typeface="+mn-ea"/>
+        <a:cs typeface="+mn-cs"/>
+      </a:defRPr>
+    </a:lvl3pPr>
+    <a:lvl4pPr marL="1371600" algn="l" defTabSz="914400" rtl="0" eaLnBrk="1" latinLnBrk="0" hangingPunct="1">
+      <a:defRPr sz="1200" kern="1200">
+        <a:solidFill>
+          <a:schemeClr val="tx1"/>
+        </a:solidFill>
+        <a:latin typeface="+mn-lt"/>
+        <a:ea typeface="+mn-ea"/>
+        <a:cs typeface="+mn-cs"/>
+      </a:defRPr>
+    </a:lvl4pPr>
+    <a:lvl5pPr marL="1828800" algn="l" defTabSz="914400" rtl="0" eaLnBrk="1" latinLnBrk="0" hangingPunct="1">
+      <a:defRPr sz="1200" kern="1200">
+        <a:solidFill>
+          <a:schemeClr val="tx1"/>
+        </a:solidFill>
+        <a:latin typeface="+mn-lt"/>
+        <a:ea typeface="+mn-ea"/>
+        <a:cs typeface="+mn-cs"/>
+      </a:defRPr>
+    </a:lvl5pPr>
+    <a:lvl6pPr marL="2286000" algn="l" defTabSz="914400" rtl="0" eaLnBrk="1" latinLnBrk="0" hangingPunct="1">
+      <a:defRPr sz="1200" kern="1200">
+        <a:solidFill>
+          <a:schemeClr val="tx1"/>
+        </a:solidFill>
+        <a:latin typeface="+mn-lt"/>
+        <a:ea typeface="+mn-ea"/>
+        <a:cs typeface="+mn-cs"/>
+      </a:defRPr>
+    </a:lvl6pPr>
+    <a:lvl7pPr marL="2743200" algn="l" defTabSz="914400" rtl="0" eaLnBrk="1" latinLnBrk="0" hangingPunct="1">
+      <a:defRPr sz="1200" kern="1200">
+        <a:solidFill>
+          <a:schemeClr val="tx1"/>
+        </a:solidFill>
+        <a:latin typeface="+mn-lt"/>
+        <a:ea typeface="+mn-ea"/>
+        <a:cs typeface="+mn-cs"/>
+      </a:defRPr>
+    </a:lvl7pPr>
+    <a:lvl8pPr marL="3200400" algn="l" defTabSz="914400" rtl="0" eaLnBrk="1" latinLnBrk="0" hangingPunct="1">
+      <a:defRPr sz="1200" kern="1200">
+        <a:solidFill>
+          <a:schemeClr val="tx1"/>
+        </a:solidFill>
+        <a:latin typeface="+mn-lt"/>
+        <a:ea typeface="+mn-ea"/>
+        <a:cs typeface="+mn-cs"/>
+      </a:defRPr>
+    </a:lvl8pPr>
+    <a:lvl9pPr marL="3657600" algn="l" defTabSz="914400" rtl="0" eaLnBrk="1" latinLnBrk="0" hangingPunct="1">
+      <a:defRPr sz="1200" kern="1200">
+        <a:solidFill>
+          <a:schemeClr val="tx1"/>
+        </a:solidFill>
+        <a:latin typeface="+mn-lt"/>
+        <a:ea typeface="+mn-ea"/>
+        <a:cs typeface="+mn-cs"/>
+      </a:defRPr>
+    </a:lvl9pPr>
+  </p:notesStyle>
+</p:notesMaster>
+</file>
+
+<file path=ppt/notesSlides/notesSlide1.xml><?xml version="1.0" encoding="utf-8"?>
+<p:notes xmlns:a="http://schemas.openxmlformats.org/drawingml/2006/main" xmlns:r="http://schemas.openxmlformats.org/officeDocument/2006/relationships" xmlns:p="http://schemas.openxmlformats.org/presentationml/2006/main">
+  <p:cSld>
+    <p:spTree>
+      <p:nvGrpSpPr>
+        <p:cNvPr id="1" name=""/>
+        <p:cNvGrpSpPr/>
+        <p:nvPr/>
+      </p:nvGrpSpPr>
+      <p:grpSpPr>
+        <a:xfrm>
+          <a:off x="0" y="0"/>
+          <a:ext cx="0" cy="0"/>
+          <a:chOff x="0" y="0"/>
+          <a:chExt cx="0" cy="0"/>
+        </a:xfrm>
+      </p:grpSpPr>
+      <p:sp>
+        <p:nvSpPr>
+          <p:cNvPr id="2" name="Slide Image Placeholder 1"/>
+          <p:cNvSpPr>
+            <a:spLocks noGrp="1" noRot="1" noChangeAspect="1"/>
+          </p:cNvSpPr>
+          <p:nvPr>
+            <p:ph type="sldImg"/>
+          </p:nvPr>
+        </p:nvSpPr>
+        <p:spPr/>
+      </p:sp>
+      <p:sp>
+        <p:nvSpPr>
+          <p:cNvPr id="3" name="Notes Placeholder 2"/>
+          <p:cNvSpPr>
+            <a:spLocks noGrp="1"/>
+          </p:cNvSpPr>
+          <p:nvPr>
+            <p:ph type="body" idx="1"/>
+          </p:nvPr>
+        </p:nvSpPr>
+        <p:spPr/>
+        <p:txBody>
+          <a:bodyPr/>
+          <a:lstStyle/>
+          <a:p>
+            <a:endParaRPr lang="en-CO" dirty="0"/>
+          </a:p>
+        </p:txBody>
+      </p:sp>
+      <p:sp>
+        <p:nvSpPr>
+          <p:cNvPr id="4" name="Slide Number Placeholder 3"/>
+          <p:cNvSpPr>
+            <a:spLocks noGrp="1"/>
+          </p:cNvSpPr>
+          <p:nvPr>
+            <p:ph type="sldNum" sz="quarter" idx="5"/>
+          </p:nvPr>
+        </p:nvSpPr>
+        <p:spPr/>
+        <p:txBody>
+          <a:bodyPr/>
+          <a:lstStyle/>
+          <a:p>
+            <a:fld id="{14707AD0-4195-5740-9617-47CC2C752DAE}" type="slidenum">
+              <a:rPr lang="en-CO" smtClean="0"/>
+              <a:t>7</a:t>
+            </a:fld>
+            <a:endParaRPr lang="en-CO"/>
+          </a:p>
+        </p:txBody>
+      </p:sp>
+    </p:spTree>
+    <p:extLst>
+      <p:ext uri="{BB962C8B-B14F-4D97-AF65-F5344CB8AC3E}">
+        <p14:creationId xmlns:p14="http://schemas.microsoft.com/office/powerpoint/2010/main" val="1201595500"/>
+      </p:ext>
+    </p:extLst>
+  </p:cSld>
+  <p:clrMapOvr>
+    <a:masterClrMapping/>
+  </p:clrMapOvr>
+</p:notes>
+</file>
+
+<file path=ppt/notesSlides/notesSlide2.xml><?xml version="1.0" encoding="utf-8"?>
+<p:notes xmlns:a="http://schemas.openxmlformats.org/drawingml/2006/main" xmlns:r="http://schemas.openxmlformats.org/officeDocument/2006/relationships" xmlns:p="http://schemas.openxmlformats.org/presentationml/2006/main">
+  <p:cSld>
+    <p:spTree>
+      <p:nvGrpSpPr>
+        <p:cNvPr id="1" name=""/>
+        <p:cNvGrpSpPr/>
+        <p:nvPr/>
+      </p:nvGrpSpPr>
+      <p:grpSpPr>
+        <a:xfrm>
+          <a:off x="0" y="0"/>
+          <a:ext cx="0" cy="0"/>
+          <a:chOff x="0" y="0"/>
+          <a:chExt cx="0" cy="0"/>
+        </a:xfrm>
+      </p:grpSpPr>
+      <p:sp>
+        <p:nvSpPr>
+          <p:cNvPr id="2" name="Slide Image Placeholder 1"/>
+          <p:cNvSpPr>
+            <a:spLocks noGrp="1" noRot="1" noChangeAspect="1"/>
+          </p:cNvSpPr>
+          <p:nvPr>
+            <p:ph type="sldImg"/>
+          </p:nvPr>
+        </p:nvSpPr>
+        <p:spPr/>
+      </p:sp>
+      <p:sp>
+        <p:nvSpPr>
+          <p:cNvPr id="3" name="Notes Placeholder 2"/>
+          <p:cNvSpPr>
+            <a:spLocks noGrp="1"/>
+          </p:cNvSpPr>
+          <p:nvPr>
+            <p:ph type="body" idx="1"/>
+          </p:nvPr>
+        </p:nvSpPr>
+        <p:spPr/>
+        <p:txBody>
+          <a:bodyPr/>
+          <a:lstStyle/>
+          <a:p>
+            <a:endParaRPr lang="en-CO" dirty="0"/>
+          </a:p>
+        </p:txBody>
+      </p:sp>
+      <p:sp>
+        <p:nvSpPr>
+          <p:cNvPr id="4" name="Slide Number Placeholder 3"/>
+          <p:cNvSpPr>
+            <a:spLocks noGrp="1"/>
+          </p:cNvSpPr>
+          <p:nvPr>
+            <p:ph type="sldNum" sz="quarter" idx="5"/>
+          </p:nvPr>
+        </p:nvSpPr>
+        <p:spPr/>
+        <p:txBody>
+          <a:bodyPr/>
+          <a:lstStyle/>
+          <a:p>
+            <a:fld id="{14707AD0-4195-5740-9617-47CC2C752DAE}" type="slidenum">
+              <a:rPr lang="en-CO" smtClean="0"/>
+              <a:t>8</a:t>
+            </a:fld>
+            <a:endParaRPr lang="en-CO"/>
+          </a:p>
+        </p:txBody>
+      </p:sp>
+    </p:spTree>
+    <p:extLst>
+      <p:ext uri="{BB962C8B-B14F-4D97-AF65-F5344CB8AC3E}">
+        <p14:creationId xmlns:p14="http://schemas.microsoft.com/office/powerpoint/2010/main" val="3219608994"/>
+      </p:ext>
+    </p:extLst>
+  </p:cSld>
+  <p:clrMapOvr>
+    <a:masterClrMapping/>
+  </p:clrMapOvr>
+</p:notes>
 </file>
 
 <file path=ppt/slideLayouts/slideLayout1.xml><?xml version="1.0" encoding="utf-8"?>
@@ -3486,6 +4008,145 @@
 </p:sld>
 </file>
 
+<file path=ppt/slides/slide10.xml><?xml version="1.0" encoding="utf-8"?>
+<p:sld xmlns:a="http://schemas.openxmlformats.org/drawingml/2006/main" xmlns:r="http://schemas.openxmlformats.org/officeDocument/2006/relationships" xmlns:p="http://schemas.openxmlformats.org/presentationml/2006/main">
+  <p:cSld>
+    <p:spTree>
+      <p:nvGrpSpPr>
+        <p:cNvPr id="1" name=""/>
+        <p:cNvGrpSpPr/>
+        <p:nvPr/>
+      </p:nvGrpSpPr>
+      <p:grpSpPr>
+        <a:xfrm>
+          <a:off x="0" y="0"/>
+          <a:ext cx="0" cy="0"/>
+          <a:chOff x="0" y="0"/>
+          <a:chExt cx="0" cy="0"/>
+        </a:xfrm>
+      </p:grpSpPr>
+      <p:sp>
+        <p:nvSpPr>
+          <p:cNvPr id="2" name="Title 1">
+            <a:extLst>
+              <a:ext uri="{FF2B5EF4-FFF2-40B4-BE49-F238E27FC236}">
+                <a16:creationId xmlns:a16="http://schemas.microsoft.com/office/drawing/2014/main" id="{F350BF34-D2C6-DF40-A1BD-D8F51B906427}"/>
+              </a:ext>
+            </a:extLst>
+          </p:cNvPr>
+          <p:cNvSpPr>
+            <a:spLocks noGrp="1"/>
+          </p:cNvSpPr>
+          <p:nvPr>
+            <p:ph type="ctrTitle"/>
+          </p:nvPr>
+        </p:nvSpPr>
+        <p:spPr/>
+        <p:txBody>
+          <a:bodyPr/>
+          <a:lstStyle/>
+          <a:p>
+            <a:endParaRPr lang="en-CO"/>
+          </a:p>
+        </p:txBody>
+      </p:sp>
+      <p:sp>
+        <p:nvSpPr>
+          <p:cNvPr id="3" name="Subtitle 2">
+            <a:extLst>
+              <a:ext uri="{FF2B5EF4-FFF2-40B4-BE49-F238E27FC236}">
+                <a16:creationId xmlns:a16="http://schemas.microsoft.com/office/drawing/2014/main" id="{54BA92A7-32F0-0F41-8FB7-10991E97EC29}"/>
+              </a:ext>
+            </a:extLst>
+          </p:cNvPr>
+          <p:cNvSpPr>
+            <a:spLocks noGrp="1"/>
+          </p:cNvSpPr>
+          <p:nvPr>
+            <p:ph type="subTitle" idx="1"/>
+          </p:nvPr>
+        </p:nvSpPr>
+        <p:spPr/>
+        <p:txBody>
+          <a:bodyPr/>
+          <a:lstStyle/>
+          <a:p>
+            <a:endParaRPr lang="en-CO"/>
+          </a:p>
+        </p:txBody>
+      </p:sp>
+      <p:pic>
+        <p:nvPicPr>
+          <p:cNvPr id="6" name="Picture 5">
+            <a:extLst>
+              <a:ext uri="{FF2B5EF4-FFF2-40B4-BE49-F238E27FC236}">
+                <a16:creationId xmlns:a16="http://schemas.microsoft.com/office/drawing/2014/main" id="{27679755-7146-3A4C-82DE-25D7133F6476}"/>
+              </a:ext>
+            </a:extLst>
+          </p:cNvPr>
+          <p:cNvPicPr>
+            <a:picLocks noChangeAspect="1"/>
+          </p:cNvPicPr>
+          <p:nvPr/>
+        </p:nvPicPr>
+        <p:blipFill>
+          <a:blip r:embed="rId2"/>
+          <a:srcRect/>
+          <a:stretch/>
+        </p:blipFill>
+        <p:spPr>
+          <a:xfrm>
+            <a:off x="0" y="0"/>
+            <a:ext cx="12192000" cy="6858000"/>
+          </a:xfrm>
+          <a:prstGeom prst="rect">
+            <a:avLst/>
+          </a:prstGeom>
+        </p:spPr>
+      </p:pic>
+      <p:pic>
+        <p:nvPicPr>
+          <p:cNvPr id="4" name="Picture 3">
+            <a:extLst>
+              <a:ext uri="{FF2B5EF4-FFF2-40B4-BE49-F238E27FC236}">
+                <a16:creationId xmlns:a16="http://schemas.microsoft.com/office/drawing/2014/main" id="{1B0D1370-5C09-9646-8D95-A037C29C089C}"/>
+              </a:ext>
+            </a:extLst>
+          </p:cNvPr>
+          <p:cNvPicPr>
+            <a:picLocks noChangeAspect="1"/>
+          </p:cNvPicPr>
+          <p:nvPr/>
+        </p:nvPicPr>
+        <p:blipFill>
+          <a:blip r:embed="rId3"/>
+          <a:stretch>
+            <a:fillRect/>
+          </a:stretch>
+        </p:blipFill>
+        <p:spPr>
+          <a:xfrm>
+            <a:off x="2452731" y="2296885"/>
+            <a:ext cx="4227111" cy="2100263"/>
+          </a:xfrm>
+          <a:prstGeom prst="rect">
+            <a:avLst/>
+          </a:prstGeom>
+        </p:spPr>
+      </p:pic>
+    </p:spTree>
+    <p:extLst>
+      <p:ext uri="{BB962C8B-B14F-4D97-AF65-F5344CB8AC3E}">
+        <p14:creationId xmlns:p14="http://schemas.microsoft.com/office/powerpoint/2010/main" val="1926860537"/>
+      </p:ext>
+    </p:extLst>
+  </p:cSld>
+  <p:clrMapOvr>
+    <a:masterClrMapping/>
+  </p:clrMapOvr>
+</p:sld>
+</file>
+
 <file path=ppt/slides/slide2.xml><?xml version="1.0" encoding="utf-8"?>
 <p:sld xmlns:a="http://schemas.openxmlformats.org/drawingml/2006/main" xmlns:r="http://schemas.openxmlformats.org/officeDocument/2006/relationships" xmlns:p="http://schemas.openxmlformats.org/presentationml/2006/main">
   <p:cSld>
@@ -4212,8 +4873,8 @@
         </p:nvSpPr>
         <p:spPr>
           <a:xfrm>
-            <a:off x="178128" y="1347693"/>
-            <a:ext cx="7846443" cy="1477328"/>
+            <a:off x="831271" y="1347693"/>
+            <a:ext cx="7040774" cy="1477328"/>
           </a:xfrm>
           <a:prstGeom prst="rect">
             <a:avLst/>
@@ -4232,7 +4893,7 @@
             </a:pPr>
             <a:r>
               <a:rPr lang="en-CO" dirty="0"/>
-              <a:t>Reglas de asistencia (Se requiere el 80% de la asistencia para aprobar el curso).</a:t>
+              <a:t>Reglas de asistencia (Para aprobar se requiere el 80% de la asistencia).</a:t>
             </a:r>
           </a:p>
           <a:p>
@@ -4242,7 +4903,7 @@
             </a:pPr>
             <a:r>
               <a:rPr lang="en-CO" dirty="0"/>
-              <a:t>Toma de asistencia. </a:t>
+              <a:t>Aprobación por asistencia (Curso) y por evaluación (Insignia digital).</a:t>
             </a:r>
           </a:p>
           <a:p>
@@ -4252,7 +4913,7 @@
             </a:pPr>
             <a:r>
               <a:rPr lang="en-CO" dirty="0"/>
-              <a:t>Realizar todo de manera práctica (Traer tu propio PC).</a:t>
+              <a:t>Toma de asistencia. </a:t>
             </a:r>
           </a:p>
           <a:p>
@@ -4262,7 +4923,7 @@
             </a:pPr>
             <a:r>
               <a:rPr lang="en-CO" dirty="0"/>
-              <a:t>Tener paciencia con el ritmo de los compañeros.</a:t>
+              <a:t>Realizar todo de manera práctica (Traer tu propio PC).</a:t>
             </a:r>
           </a:p>
           <a:p>
@@ -4291,7 +4952,7 @@
         </p:nvSpPr>
         <p:spPr>
           <a:xfrm>
-            <a:off x="178128" y="3760335"/>
+            <a:off x="831271" y="3766049"/>
             <a:ext cx="11161517" cy="2585323"/>
           </a:xfrm>
           <a:prstGeom prst="rect">
@@ -5700,7 +6361,7 @@
                 <a:latin typeface="Arial" panose="020B0604020202020204" pitchFamily="34" charset="0"/>
                 <a:cs typeface="Arial" panose="020B0604020202020204" pitchFamily="34" charset="0"/>
               </a:rPr>
-              <a:t>Clase 0</a:t>
+              <a:t>Clase 1</a:t>
             </a:r>
           </a:p>
         </p:txBody>
@@ -5720,7 +6381,7 @@
           <p:nvPr/>
         </p:nvPicPr>
         <p:blipFill rotWithShape="1">
-          <a:blip r:embed="rId2"/>
+          <a:blip r:embed="rId3"/>
           <a:srcRect t="92613"/>
           <a:stretch/>
         </p:blipFill>
@@ -5736,10 +6397,10 @@
       </p:pic>
       <p:sp>
         <p:nvSpPr>
-          <p:cNvPr id="5" name="TextBox 4">
-            <a:extLst>
-              <a:ext uri="{FF2B5EF4-FFF2-40B4-BE49-F238E27FC236}">
-                <a16:creationId xmlns:a16="http://schemas.microsoft.com/office/drawing/2014/main" id="{A601ADC2-FE68-8FEA-9328-EE9A02F0B1F8}"/>
+          <p:cNvPr id="3" name="TextBox 2">
+            <a:extLst>
+              <a:ext uri="{FF2B5EF4-FFF2-40B4-BE49-F238E27FC236}">
+                <a16:creationId xmlns:a16="http://schemas.microsoft.com/office/drawing/2014/main" id="{F298293C-B5AB-3D8C-64D3-30DC607760E2}"/>
               </a:ext>
             </a:extLst>
           </p:cNvPr>
@@ -5748,8 +6409,8 @@
         </p:nvSpPr>
         <p:spPr>
           <a:xfrm>
-            <a:off x="274745" y="1115962"/>
-            <a:ext cx="2421945" cy="1754326"/>
+            <a:off x="3809997" y="1560227"/>
+            <a:ext cx="7578431" cy="3139321"/>
           </a:xfrm>
           <a:prstGeom prst="rect">
             <a:avLst/>
@@ -5757,14 +6418,14 @@
           <a:noFill/>
         </p:spPr>
         <p:txBody>
-          <a:bodyPr wrap="none" rtlCol="0">
+          <a:bodyPr wrap="square" rtlCol="0">
             <a:spAutoFit/>
           </a:bodyPr>
           <a:lstStyle/>
           <a:p>
             <a:r>
-              <a:rPr lang="en-CO" b="1" dirty="0"/>
-              <a:t>Objetivos:</a:t>
+              <a:rPr lang="en-CO" dirty="0"/>
+              <a:t>Python es/fue:</a:t>
             </a:r>
           </a:p>
           <a:p>
@@ -5774,7 +6435,7 @@
             </a:pPr>
             <a:r>
               <a:rPr lang="en-CO" dirty="0"/>
-              <a:t>Google Colab</a:t>
+              <a:t>Creado en 1991, ha pasado por varias versiones (Actual más usada 3.6, 3.8)</a:t>
             </a:r>
           </a:p>
           <a:p>
@@ -5784,7 +6445,7 @@
             </a:pPr>
             <a:r>
               <a:rPr lang="en-CO" dirty="0"/>
-              <a:t>Instalar Python</a:t>
+              <a:t>Open Source</a:t>
             </a:r>
           </a:p>
           <a:p>
@@ -5794,7 +6455,7 @@
             </a:pPr>
             <a:r>
               <a:rPr lang="en-CO" dirty="0"/>
-              <a:t>Instalar IDEs</a:t>
+              <a:t>Fácil de leer</a:t>
             </a:r>
           </a:p>
           <a:p>
@@ -5804,7 +6465,7 @@
             </a:pPr>
             <a:r>
               <a:rPr lang="en-CO" dirty="0"/>
-              <a:t>Print(“Hola Mundo”)</a:t>
+              <a:t>Mútiples librerias o modulos open source – Built ins</a:t>
             </a:r>
           </a:p>
           <a:p>
@@ -5814,51 +6475,13 @@
             </a:pPr>
             <a:r>
               <a:rPr lang="en-CO" dirty="0"/>
-              <a:t>Input</a:t>
-            </a:r>
-          </a:p>
-        </p:txBody>
-      </p:sp>
-      <p:sp>
-        <p:nvSpPr>
-          <p:cNvPr id="3" name="TextBox 2">
-            <a:extLst>
-              <a:ext uri="{FF2B5EF4-FFF2-40B4-BE49-F238E27FC236}">
-                <a16:creationId xmlns:a16="http://schemas.microsoft.com/office/drawing/2014/main" id="{F298293C-B5AB-3D8C-64D3-30DC607760E2}"/>
-              </a:ext>
-            </a:extLst>
-          </p:cNvPr>
-          <p:cNvSpPr txBox="1"/>
-          <p:nvPr/>
-        </p:nvSpPr>
-        <p:spPr>
-          <a:xfrm>
-            <a:off x="3809998" y="1111147"/>
-            <a:ext cx="7245930" cy="4524315"/>
-          </a:xfrm>
-          <a:prstGeom prst="rect">
-            <a:avLst/>
-          </a:prstGeom>
-          <a:noFill/>
-        </p:spPr>
-        <p:txBody>
-          <a:bodyPr wrap="square" rtlCol="0">
-            <a:spAutoFit/>
-          </a:bodyPr>
-          <a:lstStyle/>
+              <a:t>Interpretado (Vs Compilado)</a:t>
+            </a:r>
+          </a:p>
           <a:p>
             <a:r>
               <a:rPr lang="en-CO" dirty="0"/>
-              <a:t>Mientras se instala miniconda y vscode …</a:t>
-            </a:r>
-          </a:p>
-          <a:p>
-            <a:endParaRPr lang="en-CO" dirty="0"/>
-          </a:p>
-          <a:p>
-            <a:r>
-              <a:rPr lang="en-CO" dirty="0"/>
-              <a:t>Python es/fue:</a:t>
+              <a:t>Otros:</a:t>
             </a:r>
           </a:p>
           <a:p>
@@ -5868,7 +6491,7 @@
             </a:pPr>
             <a:r>
               <a:rPr lang="en-CO" dirty="0"/>
-              <a:t>Creado en 1991, ha pasado por varias versiones (Actual más usada 3.8)</a:t>
+              <a:t>Ejemplos de Interpretados: Python, Perl, JavaScript</a:t>
             </a:r>
           </a:p>
           <a:p>
@@ -5878,7 +6501,7 @@
             </a:pPr>
             <a:r>
               <a:rPr lang="en-CO" dirty="0"/>
-              <a:t>Open Source</a:t>
+              <a:t>Ejemplos de Compilados: C, C++, C#</a:t>
             </a:r>
           </a:p>
           <a:p>
@@ -5886,97 +6509,13 @@
               <a:buFont typeface="Arial" panose="020B0604020202020204" pitchFamily="34" charset="0"/>
               <a:buChar char="•"/>
             </a:pPr>
+            <a:endParaRPr lang="en-CO" dirty="0"/>
+          </a:p>
+          <a:p>
             <a:r>
               <a:rPr lang="en-CO" dirty="0"/>
-              <a:t>Fácil de leer</a:t>
-            </a:r>
-          </a:p>
-          <a:p>
-            <a:pPr marL="285750" indent="-285750">
-              <a:buFont typeface="Arial" panose="020B0604020202020204" pitchFamily="34" charset="0"/>
-              <a:buChar char="•"/>
-            </a:pPr>
-            <a:r>
-              <a:rPr lang="en-CO" dirty="0"/>
-              <a:t>Mútiples librerias o modulos open source – Built ins</a:t>
-            </a:r>
-          </a:p>
-          <a:p>
-            <a:pPr marL="285750" indent="-285750">
-              <a:buFont typeface="Arial" panose="020B0604020202020204" pitchFamily="34" charset="0"/>
-              <a:buChar char="•"/>
-            </a:pPr>
-            <a:r>
-              <a:rPr lang="en-CO" dirty="0"/>
-              <a:t>Interpretado (Vs Compilado)</a:t>
-            </a:r>
-          </a:p>
-          <a:p>
-            <a:r>
-              <a:rPr lang="en-CO" dirty="0"/>
-              <a:t>Otros:</a:t>
-            </a:r>
-          </a:p>
-          <a:p>
-            <a:pPr marL="285750" indent="-285750">
-              <a:buFont typeface="Arial" panose="020B0604020202020204" pitchFamily="34" charset="0"/>
-              <a:buChar char="•"/>
-            </a:pPr>
-            <a:r>
-              <a:rPr lang="en-CO" dirty="0"/>
-              <a:t>Ejemplos de Interpretados: Python, Perl, JavaScript</a:t>
-            </a:r>
-          </a:p>
-          <a:p>
-            <a:pPr marL="285750" indent="-285750">
-              <a:buFont typeface="Arial" panose="020B0604020202020204" pitchFamily="34" charset="0"/>
-              <a:buChar char="•"/>
-            </a:pPr>
-            <a:r>
-              <a:rPr lang="en-CO" dirty="0"/>
-              <a:t>Ejemplos de Compilados: C, C++, C#</a:t>
-            </a:r>
-          </a:p>
-          <a:p>
-            <a:pPr marL="285750" indent="-285750">
-              <a:buFont typeface="Arial" panose="020B0604020202020204" pitchFamily="34" charset="0"/>
-              <a:buChar char="•"/>
-            </a:pPr>
-            <a:r>
-              <a:rPr lang="en-CO" dirty="0"/>
-              <a:t>Por qué Anaconda (Miniconda)?</a:t>
-            </a:r>
-          </a:p>
-          <a:p>
-            <a:pPr marL="285750" indent="-285750">
-              <a:buFont typeface="Arial" panose="020B0604020202020204" pitchFamily="34" charset="0"/>
-              <a:buChar char="•"/>
-            </a:pPr>
-            <a:r>
-              <a:rPr lang="en-CO" dirty="0"/>
-              <a:t>Por qué </a:t>
-            </a:r>
-            <a:r>
-              <a:rPr lang="en-US" dirty="0"/>
-              <a:t>integrated development environment (</a:t>
-            </a:r>
-            <a:r>
-              <a:rPr lang="en-CO" dirty="0"/>
-              <a:t>IDE) (Visual Studio Code)?</a:t>
-            </a:r>
-          </a:p>
-          <a:p>
-            <a:pPr marL="285750" indent="-285750">
-              <a:buFont typeface="Arial" panose="020B0604020202020204" pitchFamily="34" charset="0"/>
-              <a:buChar char="•"/>
-            </a:pPr>
-            <a:r>
-              <a:rPr lang="en-CO" dirty="0"/>
-              <a:t>Por qué usar ambientes?</a:t>
-            </a:r>
-          </a:p>
-          <a:p>
-            <a:endParaRPr lang="en-CO" dirty="0"/>
+              <a:t>Presentación.</a:t>
+            </a:r>
           </a:p>
         </p:txBody>
       </p:sp>
@@ -6037,8 +6576,8 @@
         </p:nvSpPr>
         <p:spPr>
           <a:xfrm>
-            <a:off x="323548" y="3187430"/>
-            <a:ext cx="1469954" cy="1200329"/>
+            <a:off x="253193" y="1275475"/>
+            <a:ext cx="2162067" cy="923330"/>
           </a:xfrm>
           <a:prstGeom prst="rect">
             <a:avLst/>
@@ -6062,8 +6601,12 @@
               <a:buChar char="•"/>
             </a:pPr>
             <a:r>
+              <a:rPr lang="en-US" dirty="0"/>
+              <a:t>Google </a:t>
+            </a:r>
+            <a:r>
               <a:rPr lang="en-US" dirty="0" err="1"/>
-              <a:t>Miniconda</a:t>
+              <a:t>Colab</a:t>
             </a:r>
             <a:endParaRPr lang="en-US" dirty="0"/>
           </a:p>
@@ -6073,19 +6616,12 @@
               <a:buChar char="•"/>
             </a:pPr>
             <a:r>
+              <a:rPr lang="en-US" dirty="0"/>
+              <a:t>Libro de </a:t>
+            </a:r>
+            <a:r>
               <a:rPr lang="en-US" dirty="0" err="1"/>
-              <a:t>VSCode</a:t>
-            </a:r>
-            <a:endParaRPr lang="en-US" dirty="0"/>
-          </a:p>
-          <a:p>
-            <a:pPr marL="285750" indent="-285750">
-              <a:buFont typeface="Arial" panose="020B0604020202020204" pitchFamily="34" charset="0"/>
-              <a:buChar char="•"/>
-            </a:pPr>
-            <a:r>
-              <a:rPr lang="en-US" dirty="0" err="1"/>
-              <a:t>Github</a:t>
+              <a:t>ejercicios</a:t>
             </a:r>
             <a:endParaRPr lang="en-US" dirty="0"/>
           </a:p>
@@ -6105,7 +6641,7 @@
 </file>
 
 <file path=ppt/slides/slide8.xml><?xml version="1.0" encoding="utf-8"?>
-<p:sld xmlns:a="http://schemas.openxmlformats.org/drawingml/2006/main" xmlns:r="http://schemas.openxmlformats.org/officeDocument/2006/relationships" xmlns:p="http://schemas.openxmlformats.org/presentationml/2006/main">
+<p:sld xmlns:a="http://schemas.openxmlformats.org/drawingml/2006/main" xmlns:r="http://schemas.openxmlformats.org/officeDocument/2006/relationships" xmlns:p="http://schemas.openxmlformats.org/presentationml/2006/main" show="0">
   <p:cSld>
     <p:spTree>
       <p:nvGrpSpPr>
@@ -6137,37 +6673,25 @@
             <p:ph type="ctrTitle"/>
           </p:nvPr>
         </p:nvSpPr>
-        <p:spPr/>
-        <p:txBody>
-          <a:bodyPr/>
+        <p:spPr>
+          <a:xfrm>
+            <a:off x="1524000" y="0"/>
+            <a:ext cx="9144000" cy="1111147"/>
+          </a:xfrm>
+        </p:spPr>
+        <p:txBody>
+          <a:bodyPr>
+            <a:normAutofit/>
+          </a:bodyPr>
           <a:lstStyle/>
           <a:p>
-            <a:endParaRPr lang="en-CO"/>
-          </a:p>
-        </p:txBody>
-      </p:sp>
-      <p:sp>
-        <p:nvSpPr>
-          <p:cNvPr id="3" name="Subtitle 2">
-            <a:extLst>
-              <a:ext uri="{FF2B5EF4-FFF2-40B4-BE49-F238E27FC236}">
-                <a16:creationId xmlns:a16="http://schemas.microsoft.com/office/drawing/2014/main" id="{54BA92A7-32F0-0F41-8FB7-10991E97EC29}"/>
-              </a:ext>
-            </a:extLst>
-          </p:cNvPr>
-          <p:cNvSpPr>
-            <a:spLocks noGrp="1"/>
-          </p:cNvSpPr>
-          <p:nvPr>
-            <p:ph type="subTitle" idx="1"/>
-          </p:nvPr>
-        </p:nvSpPr>
-        <p:spPr/>
-        <p:txBody>
-          <a:bodyPr/>
-          <a:lstStyle/>
-          <a:p>
-            <a:endParaRPr lang="en-CO"/>
+            <a:r>
+              <a:rPr lang="en-CO" dirty="0">
+                <a:latin typeface="Arial" panose="020B0604020202020204" pitchFamily="34" charset="0"/>
+                <a:cs typeface="Arial" panose="020B0604020202020204" pitchFamily="34" charset="0"/>
+              </a:rPr>
+              <a:t>Clase 1</a:t>
+            </a:r>
           </a:p>
         </p:txBody>
       </p:sp>
@@ -6185,55 +6709,373 @@
           </p:cNvPicPr>
           <p:nvPr/>
         </p:nvPicPr>
-        <p:blipFill>
-          <a:blip r:embed="rId2"/>
-          <a:srcRect/>
+        <p:blipFill rotWithShape="1">
+          <a:blip r:embed="rId3"/>
+          <a:srcRect t="92613"/>
           <a:stretch/>
         </p:blipFill>
         <p:spPr>
           <a:xfrm>
-            <a:off x="5639" y="0"/>
-            <a:ext cx="12180721" cy="6858000"/>
+            <a:off x="0" y="6351372"/>
+            <a:ext cx="12192000" cy="506627"/>
           </a:xfrm>
           <a:prstGeom prst="rect">
             <a:avLst/>
           </a:prstGeom>
         </p:spPr>
       </p:pic>
-      <p:pic>
-        <p:nvPicPr>
-          <p:cNvPr id="5" name="Picture 4">
-            <a:extLst>
-              <a:ext uri="{FF2B5EF4-FFF2-40B4-BE49-F238E27FC236}">
-                <a16:creationId xmlns:a16="http://schemas.microsoft.com/office/drawing/2014/main" id="{BAEB1E73-735B-3E43-8D83-C2598B1390B1}"/>
-              </a:ext>
-            </a:extLst>
-          </p:cNvPr>
-          <p:cNvPicPr>
-            <a:picLocks noChangeAspect="1"/>
-          </p:cNvPicPr>
+      <p:sp>
+        <p:nvSpPr>
+          <p:cNvPr id="5" name="TextBox 4">
+            <a:extLst>
+              <a:ext uri="{FF2B5EF4-FFF2-40B4-BE49-F238E27FC236}">
+                <a16:creationId xmlns:a16="http://schemas.microsoft.com/office/drawing/2014/main" id="{A601ADC2-FE68-8FEA-9328-EE9A02F0B1F8}"/>
+              </a:ext>
+            </a:extLst>
+          </p:cNvPr>
+          <p:cNvSpPr txBox="1"/>
           <p:nvPr/>
-        </p:nvPicPr>
-        <p:blipFill>
-          <a:blip r:embed="rId3"/>
-          <a:stretch>
-            <a:fillRect/>
-          </a:stretch>
-        </p:blipFill>
+        </p:nvSpPr>
         <p:spPr>
           <a:xfrm>
-            <a:off x="2452731" y="2296885"/>
-            <a:ext cx="4227111" cy="2100263"/>
+            <a:off x="274745" y="1115962"/>
+            <a:ext cx="2421945" cy="1754326"/>
           </a:xfrm>
           <a:prstGeom prst="rect">
             <a:avLst/>
           </a:prstGeom>
+          <a:noFill/>
         </p:spPr>
-      </p:pic>
+        <p:txBody>
+          <a:bodyPr wrap="none" rtlCol="0">
+            <a:spAutoFit/>
+          </a:bodyPr>
+          <a:lstStyle/>
+          <a:p>
+            <a:r>
+              <a:rPr lang="en-CO" b="1" dirty="0"/>
+              <a:t>Objetivos:</a:t>
+            </a:r>
+          </a:p>
+          <a:p>
+            <a:pPr marL="285750" indent="-285750">
+              <a:buFont typeface="Arial" panose="020B0604020202020204" pitchFamily="34" charset="0"/>
+              <a:buChar char="•"/>
+            </a:pPr>
+            <a:r>
+              <a:rPr lang="en-CO" dirty="0"/>
+              <a:t>Google Colab</a:t>
+            </a:r>
+          </a:p>
+          <a:p>
+            <a:pPr marL="285750" indent="-285750">
+              <a:buFont typeface="Arial" panose="020B0604020202020204" pitchFamily="34" charset="0"/>
+              <a:buChar char="•"/>
+            </a:pPr>
+            <a:r>
+              <a:rPr lang="en-CO" dirty="0"/>
+              <a:t>Instalar Python</a:t>
+            </a:r>
+          </a:p>
+          <a:p>
+            <a:pPr marL="285750" indent="-285750">
+              <a:buFont typeface="Arial" panose="020B0604020202020204" pitchFamily="34" charset="0"/>
+              <a:buChar char="•"/>
+            </a:pPr>
+            <a:r>
+              <a:rPr lang="en-CO" dirty="0"/>
+              <a:t>Instalar IDEs</a:t>
+            </a:r>
+          </a:p>
+          <a:p>
+            <a:pPr marL="285750" indent="-285750">
+              <a:buFont typeface="Arial" panose="020B0604020202020204" pitchFamily="34" charset="0"/>
+              <a:buChar char="•"/>
+            </a:pPr>
+            <a:r>
+              <a:rPr lang="en-CO" dirty="0"/>
+              <a:t>Print(“Hola Mundo”)</a:t>
+            </a:r>
+          </a:p>
+          <a:p>
+            <a:pPr marL="285750" indent="-285750">
+              <a:buFont typeface="Arial" panose="020B0604020202020204" pitchFamily="34" charset="0"/>
+              <a:buChar char="•"/>
+            </a:pPr>
+            <a:r>
+              <a:rPr lang="en-CO" dirty="0"/>
+              <a:t>Input</a:t>
+            </a:r>
+          </a:p>
+        </p:txBody>
+      </p:sp>
+      <p:sp>
+        <p:nvSpPr>
+          <p:cNvPr id="3" name="TextBox 2">
+            <a:extLst>
+              <a:ext uri="{FF2B5EF4-FFF2-40B4-BE49-F238E27FC236}">
+                <a16:creationId xmlns:a16="http://schemas.microsoft.com/office/drawing/2014/main" id="{F298293C-B5AB-3D8C-64D3-30DC607760E2}"/>
+              </a:ext>
+            </a:extLst>
+          </p:cNvPr>
+          <p:cNvSpPr txBox="1"/>
+          <p:nvPr/>
+        </p:nvSpPr>
+        <p:spPr>
+          <a:xfrm>
+            <a:off x="3809998" y="1111147"/>
+            <a:ext cx="7245930" cy="3970318"/>
+          </a:xfrm>
+          <a:prstGeom prst="rect">
+            <a:avLst/>
+          </a:prstGeom>
+          <a:noFill/>
+        </p:spPr>
+        <p:txBody>
+          <a:bodyPr wrap="square" rtlCol="0">
+            <a:spAutoFit/>
+          </a:bodyPr>
+          <a:lstStyle/>
+          <a:p>
+            <a:r>
+              <a:rPr lang="en-CO" dirty="0"/>
+              <a:t>Python es/fue:</a:t>
+            </a:r>
+          </a:p>
+          <a:p>
+            <a:pPr marL="285750" indent="-285750">
+              <a:buFont typeface="Arial" panose="020B0604020202020204" pitchFamily="34" charset="0"/>
+              <a:buChar char="•"/>
+            </a:pPr>
+            <a:r>
+              <a:rPr lang="en-CO" dirty="0"/>
+              <a:t>Creado en 1991, ha pasado por varias versiones (Actual más usada 3.8)</a:t>
+            </a:r>
+          </a:p>
+          <a:p>
+            <a:pPr marL="285750" indent="-285750">
+              <a:buFont typeface="Arial" panose="020B0604020202020204" pitchFamily="34" charset="0"/>
+              <a:buChar char="•"/>
+            </a:pPr>
+            <a:r>
+              <a:rPr lang="en-CO" dirty="0"/>
+              <a:t>Open Source</a:t>
+            </a:r>
+          </a:p>
+          <a:p>
+            <a:pPr marL="285750" indent="-285750">
+              <a:buFont typeface="Arial" panose="020B0604020202020204" pitchFamily="34" charset="0"/>
+              <a:buChar char="•"/>
+            </a:pPr>
+            <a:r>
+              <a:rPr lang="en-CO" dirty="0"/>
+              <a:t>Fácil de leer</a:t>
+            </a:r>
+          </a:p>
+          <a:p>
+            <a:pPr marL="285750" indent="-285750">
+              <a:buFont typeface="Arial" panose="020B0604020202020204" pitchFamily="34" charset="0"/>
+              <a:buChar char="•"/>
+            </a:pPr>
+            <a:r>
+              <a:rPr lang="en-CO" dirty="0"/>
+              <a:t>Mútiples librerias o modulos open source – Built ins</a:t>
+            </a:r>
+          </a:p>
+          <a:p>
+            <a:pPr marL="285750" indent="-285750">
+              <a:buFont typeface="Arial" panose="020B0604020202020204" pitchFamily="34" charset="0"/>
+              <a:buChar char="•"/>
+            </a:pPr>
+            <a:r>
+              <a:rPr lang="en-CO" dirty="0"/>
+              <a:t>Interpretado (Vs Compilado)</a:t>
+            </a:r>
+          </a:p>
+          <a:p>
+            <a:r>
+              <a:rPr lang="en-CO" dirty="0"/>
+              <a:t>Otros:</a:t>
+            </a:r>
+          </a:p>
+          <a:p>
+            <a:pPr marL="285750" indent="-285750">
+              <a:buFont typeface="Arial" panose="020B0604020202020204" pitchFamily="34" charset="0"/>
+              <a:buChar char="•"/>
+            </a:pPr>
+            <a:r>
+              <a:rPr lang="en-CO" dirty="0"/>
+              <a:t>Ejemplos de Interpretados: Python, Perl, JavaScript</a:t>
+            </a:r>
+          </a:p>
+          <a:p>
+            <a:pPr marL="285750" indent="-285750">
+              <a:buFont typeface="Arial" panose="020B0604020202020204" pitchFamily="34" charset="0"/>
+              <a:buChar char="•"/>
+            </a:pPr>
+            <a:r>
+              <a:rPr lang="en-CO" dirty="0"/>
+              <a:t>Ejemplos de Compilados: C, C++, C#</a:t>
+            </a:r>
+          </a:p>
+          <a:p>
+            <a:pPr marL="285750" indent="-285750">
+              <a:buFont typeface="Arial" panose="020B0604020202020204" pitchFamily="34" charset="0"/>
+              <a:buChar char="•"/>
+            </a:pPr>
+            <a:r>
+              <a:rPr lang="en-CO" dirty="0"/>
+              <a:t>Por qué Anaconda (Miniconda)?</a:t>
+            </a:r>
+          </a:p>
+          <a:p>
+            <a:pPr marL="285750" indent="-285750">
+              <a:buFont typeface="Arial" panose="020B0604020202020204" pitchFamily="34" charset="0"/>
+              <a:buChar char="•"/>
+            </a:pPr>
+            <a:r>
+              <a:rPr lang="en-CO" dirty="0"/>
+              <a:t>Por qué </a:t>
+            </a:r>
+            <a:r>
+              <a:rPr lang="en-US" dirty="0"/>
+              <a:t>integrated development environment (</a:t>
+            </a:r>
+            <a:r>
+              <a:rPr lang="en-CO" dirty="0"/>
+              <a:t>IDE) (Visual Studio Code)?</a:t>
+            </a:r>
+          </a:p>
+          <a:p>
+            <a:pPr marL="285750" indent="-285750">
+              <a:buFont typeface="Arial" panose="020B0604020202020204" pitchFamily="34" charset="0"/>
+              <a:buChar char="•"/>
+            </a:pPr>
+            <a:r>
+              <a:rPr lang="en-CO" dirty="0"/>
+              <a:t>Por qué usar ambientes?</a:t>
+            </a:r>
+          </a:p>
+          <a:p>
+            <a:endParaRPr lang="en-CO" dirty="0"/>
+          </a:p>
+        </p:txBody>
+      </p:sp>
+      <p:cxnSp>
+        <p:nvCxnSpPr>
+          <p:cNvPr id="8" name="Straight Connector 7">
+            <a:extLst>
+              <a:ext uri="{FF2B5EF4-FFF2-40B4-BE49-F238E27FC236}">
+                <a16:creationId xmlns:a16="http://schemas.microsoft.com/office/drawing/2014/main" id="{7FE1749B-DCB3-C5A8-BDA7-B019707CB9A9}"/>
+              </a:ext>
+            </a:extLst>
+          </p:cNvPr>
+          <p:cNvCxnSpPr>
+            <a:cxnSpLocks/>
+          </p:cNvCxnSpPr>
+          <p:nvPr/>
+        </p:nvCxnSpPr>
+        <p:spPr>
+          <a:xfrm>
+            <a:off x="3182587" y="1111147"/>
+            <a:ext cx="0" cy="5075897"/>
+          </a:xfrm>
+          <a:prstGeom prst="line">
+            <a:avLst/>
+          </a:prstGeom>
+          <a:ln w="57150">
+            <a:solidFill>
+              <a:schemeClr val="tx2"/>
+            </a:solidFill>
+          </a:ln>
+        </p:spPr>
+        <p:style>
+          <a:lnRef idx="1">
+            <a:schemeClr val="accent1"/>
+          </a:lnRef>
+          <a:fillRef idx="0">
+            <a:schemeClr val="accent1"/>
+          </a:fillRef>
+          <a:effectRef idx="0">
+            <a:schemeClr val="accent1"/>
+          </a:effectRef>
+          <a:fontRef idx="minor">
+            <a:schemeClr val="tx1"/>
+          </a:fontRef>
+        </p:style>
+      </p:cxnSp>
+      <p:sp>
+        <p:nvSpPr>
+          <p:cNvPr id="9" name="TextBox 8">
+            <a:extLst>
+              <a:ext uri="{FF2B5EF4-FFF2-40B4-BE49-F238E27FC236}">
+                <a16:creationId xmlns:a16="http://schemas.microsoft.com/office/drawing/2014/main" id="{49EF8254-79CC-7278-F479-B821F7D7EE3B}"/>
+              </a:ext>
+            </a:extLst>
+          </p:cNvPr>
+          <p:cNvSpPr txBox="1"/>
+          <p:nvPr/>
+        </p:nvSpPr>
+        <p:spPr>
+          <a:xfrm>
+            <a:off x="323548" y="3187430"/>
+            <a:ext cx="1469954" cy="1200329"/>
+          </a:xfrm>
+          <a:prstGeom prst="rect">
+            <a:avLst/>
+          </a:prstGeom>
+          <a:noFill/>
+        </p:spPr>
+        <p:txBody>
+          <a:bodyPr wrap="none" rtlCol="0">
+            <a:spAutoFit/>
+          </a:bodyPr>
+          <a:lstStyle/>
+          <a:p>
+            <a:r>
+              <a:rPr lang="en-CO" b="1" dirty="0"/>
+              <a:t>Recursos:</a:t>
+            </a:r>
+          </a:p>
+          <a:p>
+            <a:pPr marL="285750" indent="-285750">
+              <a:buFont typeface="Arial" panose="020B0604020202020204" pitchFamily="34" charset="0"/>
+              <a:buChar char="•"/>
+            </a:pPr>
+            <a:r>
+              <a:rPr lang="en-US" dirty="0" err="1"/>
+              <a:t>Miniconda</a:t>
+            </a:r>
+            <a:endParaRPr lang="en-US" dirty="0"/>
+          </a:p>
+          <a:p>
+            <a:pPr marL="285750" indent="-285750">
+              <a:buFont typeface="Arial" panose="020B0604020202020204" pitchFamily="34" charset="0"/>
+              <a:buChar char="•"/>
+            </a:pPr>
+            <a:r>
+              <a:rPr lang="en-US" dirty="0" err="1"/>
+              <a:t>VSCode</a:t>
+            </a:r>
+            <a:endParaRPr lang="en-US" dirty="0"/>
+          </a:p>
+          <a:p>
+            <a:pPr marL="285750" indent="-285750">
+              <a:buFont typeface="Arial" panose="020B0604020202020204" pitchFamily="34" charset="0"/>
+              <a:buChar char="•"/>
+            </a:pPr>
+            <a:r>
+              <a:rPr lang="en-US" dirty="0" err="1"/>
+              <a:t>Github</a:t>
+            </a:r>
+            <a:endParaRPr lang="en-US" dirty="0"/>
+          </a:p>
+        </p:txBody>
+      </p:sp>
     </p:spTree>
     <p:extLst>
       <p:ext uri="{BB962C8B-B14F-4D97-AF65-F5344CB8AC3E}">
-        <p14:creationId xmlns:p14="http://schemas.microsoft.com/office/powerpoint/2010/main" val="2652355391"/>
+        <p14:creationId xmlns:p14="http://schemas.microsoft.com/office/powerpoint/2010/main" val="1111356589"/>
       </p:ext>
     </p:extLst>
   </p:cSld>
@@ -6331,8 +7173,8 @@
         </p:blipFill>
         <p:spPr>
           <a:xfrm>
-            <a:off x="0" y="0"/>
-            <a:ext cx="12192000" cy="6858000"/>
+            <a:off x="5639" y="0"/>
+            <a:ext cx="12180721" cy="6858000"/>
           </a:xfrm>
           <a:prstGeom prst="rect">
             <a:avLst/>
@@ -6341,10 +7183,10 @@
       </p:pic>
       <p:pic>
         <p:nvPicPr>
-          <p:cNvPr id="4" name="Picture 3">
-            <a:extLst>
-              <a:ext uri="{FF2B5EF4-FFF2-40B4-BE49-F238E27FC236}">
-                <a16:creationId xmlns:a16="http://schemas.microsoft.com/office/drawing/2014/main" id="{1B0D1370-5C09-9646-8D95-A037C29C089C}"/>
+          <p:cNvPr id="5" name="Picture 4">
+            <a:extLst>
+              <a:ext uri="{FF2B5EF4-FFF2-40B4-BE49-F238E27FC236}">
+                <a16:creationId xmlns:a16="http://schemas.microsoft.com/office/drawing/2014/main" id="{BAEB1E73-735B-3E43-8D83-C2598B1390B1}"/>
               </a:ext>
             </a:extLst>
           </p:cNvPr>
@@ -6372,7 +7214,7 @@
     </p:spTree>
     <p:extLst>
       <p:ext uri="{BB962C8B-B14F-4D97-AF65-F5344CB8AC3E}">
-        <p14:creationId xmlns:p14="http://schemas.microsoft.com/office/powerpoint/2010/main" val="1926860537"/>
+        <p14:creationId xmlns:p14="http://schemas.microsoft.com/office/powerpoint/2010/main" val="2652355391"/>
       </p:ext>
     </p:extLst>
   </p:cSld>
@@ -6675,4 +7517,299 @@
     </a:ext>
   </a:extLst>
 </a:theme>
+</file>
+
+<file path=ppt/theme/theme2.xml><?xml version="1.0" encoding="utf-8"?>
+<a:theme xmlns:a="http://schemas.openxmlformats.org/drawingml/2006/main" name="Office Theme">
+  <a:themeElements>
+    <a:clrScheme name="Office">
+      <a:dk1>
+        <a:sysClr val="windowText" lastClr="000000"/>
+      </a:dk1>
+      <a:lt1>
+        <a:sysClr val="window" lastClr="FFFFFF"/>
+      </a:lt1>
+      <a:dk2>
+        <a:srgbClr val="44546A"/>
+      </a:dk2>
+      <a:lt2>
+        <a:srgbClr val="E7E6E6"/>
+      </a:lt2>
+      <a:accent1>
+        <a:srgbClr val="4472C4"/>
+      </a:accent1>
+      <a:accent2>
+        <a:srgbClr val="ED7D31"/>
+      </a:accent2>
+      <a:accent3>
+        <a:srgbClr val="A5A5A5"/>
+      </a:accent3>
+      <a:accent4>
+        <a:srgbClr val="FFC000"/>
+      </a:accent4>
+      <a:accent5>
+        <a:srgbClr val="5B9BD5"/>
+      </a:accent5>
+      <a:accent6>
+        <a:srgbClr val="70AD47"/>
+      </a:accent6>
+      <a:hlink>
+        <a:srgbClr val="0563C1"/>
+      </a:hlink>
+      <a:folHlink>
+        <a:srgbClr val="954F72"/>
+      </a:folHlink>
+    </a:clrScheme>
+    <a:fontScheme name="Office">
+      <a:majorFont>
+        <a:latin typeface="Calibri Light" panose="020F0302020204030204"/>
+        <a:ea typeface=""/>
+        <a:cs typeface=""/>
+        <a:font script="Jpan" typeface="游ゴシック Light"/>
+        <a:font script="Hang" typeface="맑은 고딕"/>
+        <a:font script="Hans" typeface="等线 Light"/>
+        <a:font script="Hant" typeface="新細明體"/>
+        <a:font script="Arab" typeface="Times New Roman"/>
+        <a:font script="Hebr" typeface="Times New Roman"/>
+        <a:font script="Thai" typeface="Angsana New"/>
+        <a:font script="Ethi" typeface="Nyala"/>
+        <a:font script="Beng" typeface="Vrinda"/>
+        <a:font script="Gujr" typeface="Shruti"/>
+        <a:font script="Khmr" typeface="MoolBoran"/>
+        <a:font script="Knda" typeface="Tunga"/>
+        <a:font script="Guru" typeface="Raavi"/>
+        <a:font script="Cans" typeface="Euphemia"/>
+        <a:font script="Cher" typeface="Plantagenet Cherokee"/>
+        <a:font script="Yiii" typeface="Microsoft Yi Baiti"/>
+        <a:font script="Tibt" typeface="Microsoft Himalaya"/>
+        <a:font script="Thaa" typeface="MV Boli"/>
+        <a:font script="Deva" typeface="Mangal"/>
+        <a:font script="Telu" typeface="Gautami"/>
+        <a:font script="Taml" typeface="Latha"/>
+        <a:font script="Syrc" typeface="Estrangelo Edessa"/>
+        <a:font script="Orya" typeface="Kalinga"/>
+        <a:font script="Mlym" typeface="Kartika"/>
+        <a:font script="Laoo" typeface="DokChampa"/>
+        <a:font script="Sinh" typeface="Iskoola Pota"/>
+        <a:font script="Mong" typeface="Mongolian Baiti"/>
+        <a:font script="Viet" typeface="Times New Roman"/>
+        <a:font script="Uigh" typeface="Microsoft Uighur"/>
+        <a:font script="Geor" typeface="Sylfaen"/>
+        <a:font script="Armn" typeface="Arial"/>
+        <a:font script="Bugi" typeface="Leelawadee UI"/>
+        <a:font script="Bopo" typeface="Microsoft JhengHei"/>
+        <a:font script="Java" typeface="Javanese Text"/>
+        <a:font script="Lisu" typeface="Segoe UI"/>
+        <a:font script="Mymr" typeface="Myanmar Text"/>
+        <a:font script="Nkoo" typeface="Ebrima"/>
+        <a:font script="Olck" typeface="Nirmala UI"/>
+        <a:font script="Osma" typeface="Ebrima"/>
+        <a:font script="Phag" typeface="Phagspa"/>
+        <a:font script="Syrn" typeface="Estrangelo Edessa"/>
+        <a:font script="Syrj" typeface="Estrangelo Edessa"/>
+        <a:font script="Syre" typeface="Estrangelo Edessa"/>
+        <a:font script="Sora" typeface="Nirmala UI"/>
+        <a:font script="Tale" typeface="Microsoft Tai Le"/>
+        <a:font script="Talu" typeface="Microsoft New Tai Lue"/>
+        <a:font script="Tfng" typeface="Ebrima"/>
+      </a:majorFont>
+      <a:minorFont>
+        <a:latin typeface="Calibri" panose="020F0502020204030204"/>
+        <a:ea typeface=""/>
+        <a:cs typeface=""/>
+        <a:font script="Jpan" typeface="游ゴシック"/>
+        <a:font script="Hang" typeface="맑은 고딕"/>
+        <a:font script="Hans" typeface="等线"/>
+        <a:font script="Hant" typeface="新細明體"/>
+        <a:font script="Arab" typeface="Arial"/>
+        <a:font script="Hebr" typeface="Arial"/>
+        <a:font script="Thai" typeface="Cordia New"/>
+        <a:font script="Ethi" typeface="Nyala"/>
+        <a:font script="Beng" typeface="Vrinda"/>
+        <a:font script="Gujr" typeface="Shruti"/>
+        <a:font script="Khmr" typeface="DaunPenh"/>
+        <a:font script="Knda" typeface="Tunga"/>
+        <a:font script="Guru" typeface="Raavi"/>
+        <a:font script="Cans" typeface="Euphemia"/>
+        <a:font script="Cher" typeface="Plantagenet Cherokee"/>
+        <a:font script="Yiii" typeface="Microsoft Yi Baiti"/>
+        <a:font script="Tibt" typeface="Microsoft Himalaya"/>
+        <a:font script="Thaa" typeface="MV Boli"/>
+        <a:font script="Deva" typeface="Mangal"/>
+        <a:font script="Telu" typeface="Gautami"/>
+        <a:font script="Taml" typeface="Latha"/>
+        <a:font script="Syrc" typeface="Estrangelo Edessa"/>
+        <a:font script="Orya" typeface="Kalinga"/>
+        <a:font script="Mlym" typeface="Kartika"/>
+        <a:font script="Laoo" typeface="DokChampa"/>
+        <a:font script="Sinh" typeface="Iskoola Pota"/>
+        <a:font script="Mong" typeface="Mongolian Baiti"/>
+        <a:font script="Viet" typeface="Arial"/>
+        <a:font script="Uigh" typeface="Microsoft Uighur"/>
+        <a:font script="Geor" typeface="Sylfaen"/>
+        <a:font script="Armn" typeface="Arial"/>
+        <a:font script="Bugi" typeface="Leelawadee UI"/>
+        <a:font script="Bopo" typeface="Microsoft JhengHei"/>
+        <a:font script="Java" typeface="Javanese Text"/>
+        <a:font script="Lisu" typeface="Segoe UI"/>
+        <a:font script="Mymr" typeface="Myanmar Text"/>
+        <a:font script="Nkoo" typeface="Ebrima"/>
+        <a:font script="Olck" typeface="Nirmala UI"/>
+        <a:font script="Osma" typeface="Ebrima"/>
+        <a:font script="Phag" typeface="Phagspa"/>
+        <a:font script="Syrn" typeface="Estrangelo Edessa"/>
+        <a:font script="Syrj" typeface="Estrangelo Edessa"/>
+        <a:font script="Syre" typeface="Estrangelo Edessa"/>
+        <a:font script="Sora" typeface="Nirmala UI"/>
+        <a:font script="Tale" typeface="Microsoft Tai Le"/>
+        <a:font script="Talu" typeface="Microsoft New Tai Lue"/>
+        <a:font script="Tfng" typeface="Ebrima"/>
+      </a:minorFont>
+    </a:fontScheme>
+    <a:fmtScheme name="Office">
+      <a:fillStyleLst>
+        <a:solidFill>
+          <a:schemeClr val="phClr"/>
+        </a:solidFill>
+        <a:gradFill rotWithShape="1">
+          <a:gsLst>
+            <a:gs pos="0">
+              <a:schemeClr val="phClr">
+                <a:lumMod val="110000"/>
+                <a:satMod val="105000"/>
+                <a:tint val="67000"/>
+              </a:schemeClr>
+            </a:gs>
+            <a:gs pos="50000">
+              <a:schemeClr val="phClr">
+                <a:lumMod val="105000"/>
+                <a:satMod val="103000"/>
+                <a:tint val="73000"/>
+              </a:schemeClr>
+            </a:gs>
+            <a:gs pos="100000">
+              <a:schemeClr val="phClr">
+                <a:lumMod val="105000"/>
+                <a:satMod val="109000"/>
+                <a:tint val="81000"/>
+              </a:schemeClr>
+            </a:gs>
+          </a:gsLst>
+          <a:lin ang="5400000" scaled="0"/>
+        </a:gradFill>
+        <a:gradFill rotWithShape="1">
+          <a:gsLst>
+            <a:gs pos="0">
+              <a:schemeClr val="phClr">
+                <a:satMod val="103000"/>
+                <a:lumMod val="102000"/>
+                <a:tint val="94000"/>
+              </a:schemeClr>
+            </a:gs>
+            <a:gs pos="50000">
+              <a:schemeClr val="phClr">
+                <a:satMod val="110000"/>
+                <a:lumMod val="100000"/>
+                <a:shade val="100000"/>
+              </a:schemeClr>
+            </a:gs>
+            <a:gs pos="100000">
+              <a:schemeClr val="phClr">
+                <a:lumMod val="99000"/>
+                <a:satMod val="120000"/>
+                <a:shade val="78000"/>
+              </a:schemeClr>
+            </a:gs>
+          </a:gsLst>
+          <a:lin ang="5400000" scaled="0"/>
+        </a:gradFill>
+      </a:fillStyleLst>
+      <a:lnStyleLst>
+        <a:ln w="6350" cap="flat" cmpd="sng" algn="ctr">
+          <a:solidFill>
+            <a:schemeClr val="phClr"/>
+          </a:solidFill>
+          <a:prstDash val="solid"/>
+          <a:miter lim="800000"/>
+        </a:ln>
+        <a:ln w="12700" cap="flat" cmpd="sng" algn="ctr">
+          <a:solidFill>
+            <a:schemeClr val="phClr"/>
+          </a:solidFill>
+          <a:prstDash val="solid"/>
+          <a:miter lim="800000"/>
+        </a:ln>
+        <a:ln w="19050" cap="flat" cmpd="sng" algn="ctr">
+          <a:solidFill>
+            <a:schemeClr val="phClr"/>
+          </a:solidFill>
+          <a:prstDash val="solid"/>
+          <a:miter lim="800000"/>
+        </a:ln>
+      </a:lnStyleLst>
+      <a:effectStyleLst>
+        <a:effectStyle>
+          <a:effectLst/>
+        </a:effectStyle>
+        <a:effectStyle>
+          <a:effectLst/>
+        </a:effectStyle>
+        <a:effectStyle>
+          <a:effectLst>
+            <a:outerShdw blurRad="57150" dist="19050" dir="5400000" algn="ctr" rotWithShape="0">
+              <a:srgbClr val="000000">
+                <a:alpha val="63000"/>
+              </a:srgbClr>
+            </a:outerShdw>
+          </a:effectLst>
+        </a:effectStyle>
+      </a:effectStyleLst>
+      <a:bgFillStyleLst>
+        <a:solidFill>
+          <a:schemeClr val="phClr"/>
+        </a:solidFill>
+        <a:solidFill>
+          <a:schemeClr val="phClr">
+            <a:tint val="95000"/>
+            <a:satMod val="170000"/>
+          </a:schemeClr>
+        </a:solidFill>
+        <a:gradFill rotWithShape="1">
+          <a:gsLst>
+            <a:gs pos="0">
+              <a:schemeClr val="phClr">
+                <a:tint val="93000"/>
+                <a:satMod val="150000"/>
+                <a:shade val="98000"/>
+                <a:lumMod val="102000"/>
+              </a:schemeClr>
+            </a:gs>
+            <a:gs pos="50000">
+              <a:schemeClr val="phClr">
+                <a:tint val="98000"/>
+                <a:satMod val="130000"/>
+                <a:shade val="90000"/>
+                <a:lumMod val="103000"/>
+              </a:schemeClr>
+            </a:gs>
+            <a:gs pos="100000">
+              <a:schemeClr val="phClr">
+                <a:shade val="63000"/>
+                <a:satMod val="120000"/>
+              </a:schemeClr>
+            </a:gs>
+          </a:gsLst>
+          <a:lin ang="5400000" scaled="0"/>
+        </a:gradFill>
+      </a:bgFillStyleLst>
+    </a:fmtScheme>
+  </a:themeElements>
+  <a:objectDefaults/>
+  <a:extraClrSchemeLst/>
+  <a:extLst>
+    <a:ext uri="{05A4C25C-085E-4340-85A3-A5531E510DB2}">
+      <thm15:themeFamily xmlns:thm15="http://schemas.microsoft.com/office/thememl/2012/main" name="Office Theme" id="{62F939B6-93AF-4DB8-9C6B-D6C7DFDC589F}" vid="{4A3C46E8-61CC-4603-A589-7422A47A8E4A}"/>
+    </a:ext>
+  </a:extLst>
+</a:theme>
 </file>
--- a/classes/C0/slide/Presentacion 1710 - C0.pptx
+++ b/classes/C0/slide/Presentacion 1710 - C0.pptx
@@ -5,7 +5,7 @@
     <p:sldMasterId id="2147483648" r:id="rId1"/>
   </p:sldMasterIdLst>
   <p:notesMasterIdLst>
-    <p:notesMasterId r:id="rId12"/>
+    <p:notesMasterId r:id="rId13"/>
   </p:notesMasterIdLst>
   <p:sldIdLst>
     <p:sldId id="256" r:id="rId2"/>
@@ -15,9 +15,10 @@
     <p:sldId id="263" r:id="rId6"/>
     <p:sldId id="262" r:id="rId7"/>
     <p:sldId id="264" r:id="rId8"/>
-    <p:sldId id="265" r:id="rId9"/>
-    <p:sldId id="260" r:id="rId10"/>
-    <p:sldId id="261" r:id="rId11"/>
+    <p:sldId id="266" r:id="rId9"/>
+    <p:sldId id="265" r:id="rId10"/>
+    <p:sldId id="260" r:id="rId11"/>
+    <p:sldId id="261" r:id="rId12"/>
   </p:sldIdLst>
   <p:sldSz cx="12192000" cy="6858000"/>
   <p:notesSz cx="6858000" cy="9144000"/>
@@ -624,6 +625,90 @@
             <a:fld id="{14707AD0-4195-5740-9617-47CC2C752DAE}" type="slidenum">
               <a:rPr lang="en-CO" smtClean="0"/>
               <a:t>8</a:t>
+            </a:fld>
+            <a:endParaRPr lang="en-CO"/>
+          </a:p>
+        </p:txBody>
+      </p:sp>
+    </p:spTree>
+    <p:extLst>
+      <p:ext uri="{BB962C8B-B14F-4D97-AF65-F5344CB8AC3E}">
+        <p14:creationId xmlns:p14="http://schemas.microsoft.com/office/powerpoint/2010/main" val="2654241230"/>
+      </p:ext>
+    </p:extLst>
+  </p:cSld>
+  <p:clrMapOvr>
+    <a:masterClrMapping/>
+  </p:clrMapOvr>
+</p:notes>
+</file>
+
+<file path=ppt/notesSlides/notesSlide3.xml><?xml version="1.0" encoding="utf-8"?>
+<p:notes xmlns:a="http://schemas.openxmlformats.org/drawingml/2006/main" xmlns:r="http://schemas.openxmlformats.org/officeDocument/2006/relationships" xmlns:p="http://schemas.openxmlformats.org/presentationml/2006/main">
+  <p:cSld>
+    <p:spTree>
+      <p:nvGrpSpPr>
+        <p:cNvPr id="1" name=""/>
+        <p:cNvGrpSpPr/>
+        <p:nvPr/>
+      </p:nvGrpSpPr>
+      <p:grpSpPr>
+        <a:xfrm>
+          <a:off x="0" y="0"/>
+          <a:ext cx="0" cy="0"/>
+          <a:chOff x="0" y="0"/>
+          <a:chExt cx="0" cy="0"/>
+        </a:xfrm>
+      </p:grpSpPr>
+      <p:sp>
+        <p:nvSpPr>
+          <p:cNvPr id="2" name="Slide Image Placeholder 1"/>
+          <p:cNvSpPr>
+            <a:spLocks noGrp="1" noRot="1" noChangeAspect="1"/>
+          </p:cNvSpPr>
+          <p:nvPr>
+            <p:ph type="sldImg"/>
+          </p:nvPr>
+        </p:nvSpPr>
+        <p:spPr/>
+      </p:sp>
+      <p:sp>
+        <p:nvSpPr>
+          <p:cNvPr id="3" name="Notes Placeholder 2"/>
+          <p:cNvSpPr>
+            <a:spLocks noGrp="1"/>
+          </p:cNvSpPr>
+          <p:nvPr>
+            <p:ph type="body" idx="1"/>
+          </p:nvPr>
+        </p:nvSpPr>
+        <p:spPr/>
+        <p:txBody>
+          <a:bodyPr/>
+          <a:lstStyle/>
+          <a:p>
+            <a:endParaRPr lang="en-CO" dirty="0"/>
+          </a:p>
+        </p:txBody>
+      </p:sp>
+      <p:sp>
+        <p:nvSpPr>
+          <p:cNvPr id="4" name="Slide Number Placeholder 3"/>
+          <p:cNvSpPr>
+            <a:spLocks noGrp="1"/>
+          </p:cNvSpPr>
+          <p:nvPr>
+            <p:ph type="sldNum" sz="quarter" idx="5"/>
+          </p:nvPr>
+        </p:nvSpPr>
+        <p:spPr/>
+        <p:txBody>
+          <a:bodyPr/>
+          <a:lstStyle/>
+          <a:p>
+            <a:fld id="{14707AD0-4195-5740-9617-47CC2C752DAE}" type="slidenum">
+              <a:rPr lang="en-CO" smtClean="0"/>
+              <a:t>9</a:t>
             </a:fld>
             <a:endParaRPr lang="en-CO"/>
           </a:p>
@@ -4096,6 +4181,145 @@
         </p:blipFill>
         <p:spPr>
           <a:xfrm>
+            <a:off x="5639" y="0"/>
+            <a:ext cx="12180721" cy="6858000"/>
+          </a:xfrm>
+          <a:prstGeom prst="rect">
+            <a:avLst/>
+          </a:prstGeom>
+        </p:spPr>
+      </p:pic>
+      <p:pic>
+        <p:nvPicPr>
+          <p:cNvPr id="5" name="Picture 4">
+            <a:extLst>
+              <a:ext uri="{FF2B5EF4-FFF2-40B4-BE49-F238E27FC236}">
+                <a16:creationId xmlns:a16="http://schemas.microsoft.com/office/drawing/2014/main" id="{BAEB1E73-735B-3E43-8D83-C2598B1390B1}"/>
+              </a:ext>
+            </a:extLst>
+          </p:cNvPr>
+          <p:cNvPicPr>
+            <a:picLocks noChangeAspect="1"/>
+          </p:cNvPicPr>
+          <p:nvPr/>
+        </p:nvPicPr>
+        <p:blipFill>
+          <a:blip r:embed="rId3"/>
+          <a:stretch>
+            <a:fillRect/>
+          </a:stretch>
+        </p:blipFill>
+        <p:spPr>
+          <a:xfrm>
+            <a:off x="2452731" y="2296885"/>
+            <a:ext cx="4227111" cy="2100263"/>
+          </a:xfrm>
+          <a:prstGeom prst="rect">
+            <a:avLst/>
+          </a:prstGeom>
+        </p:spPr>
+      </p:pic>
+    </p:spTree>
+    <p:extLst>
+      <p:ext uri="{BB962C8B-B14F-4D97-AF65-F5344CB8AC3E}">
+        <p14:creationId xmlns:p14="http://schemas.microsoft.com/office/powerpoint/2010/main" val="2652355391"/>
+      </p:ext>
+    </p:extLst>
+  </p:cSld>
+  <p:clrMapOvr>
+    <a:masterClrMapping/>
+  </p:clrMapOvr>
+</p:sld>
+</file>
+
+<file path=ppt/slides/slide11.xml><?xml version="1.0" encoding="utf-8"?>
+<p:sld xmlns:a="http://schemas.openxmlformats.org/drawingml/2006/main" xmlns:r="http://schemas.openxmlformats.org/officeDocument/2006/relationships" xmlns:p="http://schemas.openxmlformats.org/presentationml/2006/main">
+  <p:cSld>
+    <p:spTree>
+      <p:nvGrpSpPr>
+        <p:cNvPr id="1" name=""/>
+        <p:cNvGrpSpPr/>
+        <p:nvPr/>
+      </p:nvGrpSpPr>
+      <p:grpSpPr>
+        <a:xfrm>
+          <a:off x="0" y="0"/>
+          <a:ext cx="0" cy="0"/>
+          <a:chOff x="0" y="0"/>
+          <a:chExt cx="0" cy="0"/>
+        </a:xfrm>
+      </p:grpSpPr>
+      <p:sp>
+        <p:nvSpPr>
+          <p:cNvPr id="2" name="Title 1">
+            <a:extLst>
+              <a:ext uri="{FF2B5EF4-FFF2-40B4-BE49-F238E27FC236}">
+                <a16:creationId xmlns:a16="http://schemas.microsoft.com/office/drawing/2014/main" id="{F350BF34-D2C6-DF40-A1BD-D8F51B906427}"/>
+              </a:ext>
+            </a:extLst>
+          </p:cNvPr>
+          <p:cNvSpPr>
+            <a:spLocks noGrp="1"/>
+          </p:cNvSpPr>
+          <p:nvPr>
+            <p:ph type="ctrTitle"/>
+          </p:nvPr>
+        </p:nvSpPr>
+        <p:spPr/>
+        <p:txBody>
+          <a:bodyPr/>
+          <a:lstStyle/>
+          <a:p>
+            <a:endParaRPr lang="en-CO"/>
+          </a:p>
+        </p:txBody>
+      </p:sp>
+      <p:sp>
+        <p:nvSpPr>
+          <p:cNvPr id="3" name="Subtitle 2">
+            <a:extLst>
+              <a:ext uri="{FF2B5EF4-FFF2-40B4-BE49-F238E27FC236}">
+                <a16:creationId xmlns:a16="http://schemas.microsoft.com/office/drawing/2014/main" id="{54BA92A7-32F0-0F41-8FB7-10991E97EC29}"/>
+              </a:ext>
+            </a:extLst>
+          </p:cNvPr>
+          <p:cNvSpPr>
+            <a:spLocks noGrp="1"/>
+          </p:cNvSpPr>
+          <p:nvPr>
+            <p:ph type="subTitle" idx="1"/>
+          </p:nvPr>
+        </p:nvSpPr>
+        <p:spPr/>
+        <p:txBody>
+          <a:bodyPr/>
+          <a:lstStyle/>
+          <a:p>
+            <a:endParaRPr lang="en-CO"/>
+          </a:p>
+        </p:txBody>
+      </p:sp>
+      <p:pic>
+        <p:nvPicPr>
+          <p:cNvPr id="6" name="Picture 5">
+            <a:extLst>
+              <a:ext uri="{FF2B5EF4-FFF2-40B4-BE49-F238E27FC236}">
+                <a16:creationId xmlns:a16="http://schemas.microsoft.com/office/drawing/2014/main" id="{27679755-7146-3A4C-82DE-25D7133F6476}"/>
+              </a:ext>
+            </a:extLst>
+          </p:cNvPr>
+          <p:cNvPicPr>
+            <a:picLocks noChangeAspect="1"/>
+          </p:cNvPicPr>
+          <p:nvPr/>
+        </p:nvPicPr>
+        <p:blipFill>
+          <a:blip r:embed="rId2"/>
+          <a:srcRect/>
+          <a:stretch/>
+        </p:blipFill>
+        <p:spPr>
+          <a:xfrm>
             <a:off x="0" y="0"/>
             <a:ext cx="12192000" cy="6858000"/>
           </a:xfrm>
@@ -6641,6 +6865,178 @@
 </file>
 
 <file path=ppt/slides/slide8.xml><?xml version="1.0" encoding="utf-8"?>
+<p:sld xmlns:a="http://schemas.openxmlformats.org/drawingml/2006/main" xmlns:r="http://schemas.openxmlformats.org/officeDocument/2006/relationships" xmlns:p="http://schemas.openxmlformats.org/presentationml/2006/main">
+  <p:cSld>
+    <p:spTree>
+      <p:nvGrpSpPr>
+        <p:cNvPr id="1" name=""/>
+        <p:cNvGrpSpPr/>
+        <p:nvPr/>
+      </p:nvGrpSpPr>
+      <p:grpSpPr>
+        <a:xfrm>
+          <a:off x="0" y="0"/>
+          <a:ext cx="0" cy="0"/>
+          <a:chOff x="0" y="0"/>
+          <a:chExt cx="0" cy="0"/>
+        </a:xfrm>
+      </p:grpSpPr>
+      <p:sp>
+        <p:nvSpPr>
+          <p:cNvPr id="2" name="Title 1">
+            <a:extLst>
+              <a:ext uri="{FF2B5EF4-FFF2-40B4-BE49-F238E27FC236}">
+                <a16:creationId xmlns:a16="http://schemas.microsoft.com/office/drawing/2014/main" id="{F350BF34-D2C6-DF40-A1BD-D8F51B906427}"/>
+              </a:ext>
+            </a:extLst>
+          </p:cNvPr>
+          <p:cNvSpPr>
+            <a:spLocks noGrp="1"/>
+          </p:cNvSpPr>
+          <p:nvPr>
+            <p:ph type="ctrTitle"/>
+          </p:nvPr>
+        </p:nvSpPr>
+        <p:spPr>
+          <a:xfrm>
+            <a:off x="1524000" y="512564"/>
+            <a:ext cx="9144000" cy="368135"/>
+          </a:xfrm>
+        </p:spPr>
+        <p:txBody>
+          <a:bodyPr>
+            <a:normAutofit fontScale="90000"/>
+          </a:bodyPr>
+          <a:lstStyle/>
+          <a:p>
+            <a:r>
+              <a:rPr lang="en-CO" dirty="0">
+                <a:latin typeface="Arial" panose="020B0604020202020204" pitchFamily="34" charset="0"/>
+                <a:cs typeface="Arial" panose="020B0604020202020204" pitchFamily="34" charset="0"/>
+              </a:rPr>
+              <a:t>Tablero</a:t>
+            </a:r>
+          </a:p>
+        </p:txBody>
+      </p:sp>
+      <p:pic>
+        <p:nvPicPr>
+          <p:cNvPr id="6" name="Picture 5">
+            <a:extLst>
+              <a:ext uri="{FF2B5EF4-FFF2-40B4-BE49-F238E27FC236}">
+                <a16:creationId xmlns:a16="http://schemas.microsoft.com/office/drawing/2014/main" id="{27679755-7146-3A4C-82DE-25D7133F6476}"/>
+              </a:ext>
+            </a:extLst>
+          </p:cNvPr>
+          <p:cNvPicPr>
+            <a:picLocks noChangeAspect="1"/>
+          </p:cNvPicPr>
+          <p:nvPr/>
+        </p:nvPicPr>
+        <p:blipFill rotWithShape="1">
+          <a:blip r:embed="rId3"/>
+          <a:srcRect t="92613"/>
+          <a:stretch/>
+        </p:blipFill>
+        <p:spPr>
+          <a:xfrm>
+            <a:off x="0" y="6351372"/>
+            <a:ext cx="12192000" cy="506627"/>
+          </a:xfrm>
+          <a:prstGeom prst="rect">
+            <a:avLst/>
+          </a:prstGeom>
+        </p:spPr>
+      </p:pic>
+      <p:sp>
+        <p:nvSpPr>
+          <p:cNvPr id="4" name="AutoShape 2">
+            <a:extLst>
+              <a:ext uri="{FF2B5EF4-FFF2-40B4-BE49-F238E27FC236}">
+                <a16:creationId xmlns:a16="http://schemas.microsoft.com/office/drawing/2014/main" id="{AC508B9B-B694-13D4-D0F3-2048AC562705}"/>
+              </a:ext>
+            </a:extLst>
+          </p:cNvPr>
+          <p:cNvSpPr>
+            <a:spLocks noChangeAspect="1" noChangeArrowheads="1"/>
+          </p:cNvSpPr>
+          <p:nvPr/>
+        </p:nvSpPr>
+        <p:spPr bwMode="auto">
+          <a:xfrm>
+            <a:off x="5943600" y="3276600"/>
+            <a:ext cx="4724400" cy="4724400"/>
+          </a:xfrm>
+          <a:prstGeom prst="rect">
+            <a:avLst/>
+          </a:prstGeom>
+          <a:noFill/>
+          <a:extLst>
+            <a:ext uri="{909E8E84-426E-40DD-AFC4-6F175D3DCCD1}">
+              <a14:hiddenFill xmlns:a14="http://schemas.microsoft.com/office/drawing/2010/main">
+                <a:solidFill>
+                  <a:srgbClr val="FFFFFF"/>
+                </a:solidFill>
+              </a14:hiddenFill>
+            </a:ext>
+          </a:extLst>
+        </p:spPr>
+        <p:txBody>
+          <a:bodyPr vert="horz" wrap="square" lIns="91440" tIns="45720" rIns="91440" bIns="45720" numCol="1" anchor="t" anchorCtr="0" compatLnSpc="1">
+            <a:prstTxWarp prst="textNoShape">
+              <a:avLst/>
+            </a:prstTxWarp>
+          </a:bodyPr>
+          <a:lstStyle/>
+          <a:p>
+            <a:endParaRPr lang="en-CO"/>
+          </a:p>
+        </p:txBody>
+      </p:sp>
+      <p:pic>
+        <p:nvPicPr>
+          <p:cNvPr id="10" name="Picture 9">
+            <a:extLst>
+              <a:ext uri="{FF2B5EF4-FFF2-40B4-BE49-F238E27FC236}">
+                <a16:creationId xmlns:a16="http://schemas.microsoft.com/office/drawing/2014/main" id="{D3BE4B29-8993-7681-6053-E476B88DEC9D}"/>
+              </a:ext>
+            </a:extLst>
+          </p:cNvPr>
+          <p:cNvPicPr>
+            <a:picLocks noChangeAspect="1"/>
+          </p:cNvPicPr>
+          <p:nvPr/>
+        </p:nvPicPr>
+        <p:blipFill>
+          <a:blip r:embed="rId4"/>
+          <a:stretch>
+            <a:fillRect/>
+          </a:stretch>
+        </p:blipFill>
+        <p:spPr>
+          <a:xfrm>
+            <a:off x="2209800" y="1023101"/>
+            <a:ext cx="7772400" cy="5834899"/>
+          </a:xfrm>
+          <a:prstGeom prst="rect">
+            <a:avLst/>
+          </a:prstGeom>
+        </p:spPr>
+      </p:pic>
+    </p:spTree>
+    <p:extLst>
+      <p:ext uri="{BB962C8B-B14F-4D97-AF65-F5344CB8AC3E}">
+        <p14:creationId xmlns:p14="http://schemas.microsoft.com/office/powerpoint/2010/main" val="2123988130"/>
+      </p:ext>
+    </p:extLst>
+  </p:cSld>
+  <p:clrMapOvr>
+    <a:masterClrMapping/>
+  </p:clrMapOvr>
+</p:sld>
+</file>
+
+<file path=ppt/slides/slide9.xml><?xml version="1.0" encoding="utf-8"?>
 <p:sld xmlns:a="http://schemas.openxmlformats.org/drawingml/2006/main" xmlns:r="http://schemas.openxmlformats.org/officeDocument/2006/relationships" xmlns:p="http://schemas.openxmlformats.org/presentationml/2006/main" show="0">
   <p:cSld>
     <p:spTree>
@@ -7076,145 +7472,6 @@
     <p:extLst>
       <p:ext uri="{BB962C8B-B14F-4D97-AF65-F5344CB8AC3E}">
         <p14:creationId xmlns:p14="http://schemas.microsoft.com/office/powerpoint/2010/main" val="1111356589"/>
-      </p:ext>
-    </p:extLst>
-  </p:cSld>
-  <p:clrMapOvr>
-    <a:masterClrMapping/>
-  </p:clrMapOvr>
-</p:sld>
-</file>
-
-<file path=ppt/slides/slide9.xml><?xml version="1.0" encoding="utf-8"?>
-<p:sld xmlns:a="http://schemas.openxmlformats.org/drawingml/2006/main" xmlns:r="http://schemas.openxmlformats.org/officeDocument/2006/relationships" xmlns:p="http://schemas.openxmlformats.org/presentationml/2006/main">
-  <p:cSld>
-    <p:spTree>
-      <p:nvGrpSpPr>
-        <p:cNvPr id="1" name=""/>
-        <p:cNvGrpSpPr/>
-        <p:nvPr/>
-      </p:nvGrpSpPr>
-      <p:grpSpPr>
-        <a:xfrm>
-          <a:off x="0" y="0"/>
-          <a:ext cx="0" cy="0"/>
-          <a:chOff x="0" y="0"/>
-          <a:chExt cx="0" cy="0"/>
-        </a:xfrm>
-      </p:grpSpPr>
-      <p:sp>
-        <p:nvSpPr>
-          <p:cNvPr id="2" name="Title 1">
-            <a:extLst>
-              <a:ext uri="{FF2B5EF4-FFF2-40B4-BE49-F238E27FC236}">
-                <a16:creationId xmlns:a16="http://schemas.microsoft.com/office/drawing/2014/main" id="{F350BF34-D2C6-DF40-A1BD-D8F51B906427}"/>
-              </a:ext>
-            </a:extLst>
-          </p:cNvPr>
-          <p:cNvSpPr>
-            <a:spLocks noGrp="1"/>
-          </p:cNvSpPr>
-          <p:nvPr>
-            <p:ph type="ctrTitle"/>
-          </p:nvPr>
-        </p:nvSpPr>
-        <p:spPr/>
-        <p:txBody>
-          <a:bodyPr/>
-          <a:lstStyle/>
-          <a:p>
-            <a:endParaRPr lang="en-CO"/>
-          </a:p>
-        </p:txBody>
-      </p:sp>
-      <p:sp>
-        <p:nvSpPr>
-          <p:cNvPr id="3" name="Subtitle 2">
-            <a:extLst>
-              <a:ext uri="{FF2B5EF4-FFF2-40B4-BE49-F238E27FC236}">
-                <a16:creationId xmlns:a16="http://schemas.microsoft.com/office/drawing/2014/main" id="{54BA92A7-32F0-0F41-8FB7-10991E97EC29}"/>
-              </a:ext>
-            </a:extLst>
-          </p:cNvPr>
-          <p:cNvSpPr>
-            <a:spLocks noGrp="1"/>
-          </p:cNvSpPr>
-          <p:nvPr>
-            <p:ph type="subTitle" idx="1"/>
-          </p:nvPr>
-        </p:nvSpPr>
-        <p:spPr/>
-        <p:txBody>
-          <a:bodyPr/>
-          <a:lstStyle/>
-          <a:p>
-            <a:endParaRPr lang="en-CO"/>
-          </a:p>
-        </p:txBody>
-      </p:sp>
-      <p:pic>
-        <p:nvPicPr>
-          <p:cNvPr id="6" name="Picture 5">
-            <a:extLst>
-              <a:ext uri="{FF2B5EF4-FFF2-40B4-BE49-F238E27FC236}">
-                <a16:creationId xmlns:a16="http://schemas.microsoft.com/office/drawing/2014/main" id="{27679755-7146-3A4C-82DE-25D7133F6476}"/>
-              </a:ext>
-            </a:extLst>
-          </p:cNvPr>
-          <p:cNvPicPr>
-            <a:picLocks noChangeAspect="1"/>
-          </p:cNvPicPr>
-          <p:nvPr/>
-        </p:nvPicPr>
-        <p:blipFill>
-          <a:blip r:embed="rId2"/>
-          <a:srcRect/>
-          <a:stretch/>
-        </p:blipFill>
-        <p:spPr>
-          <a:xfrm>
-            <a:off x="5639" y="0"/>
-            <a:ext cx="12180721" cy="6858000"/>
-          </a:xfrm>
-          <a:prstGeom prst="rect">
-            <a:avLst/>
-          </a:prstGeom>
-        </p:spPr>
-      </p:pic>
-      <p:pic>
-        <p:nvPicPr>
-          <p:cNvPr id="5" name="Picture 4">
-            <a:extLst>
-              <a:ext uri="{FF2B5EF4-FFF2-40B4-BE49-F238E27FC236}">
-                <a16:creationId xmlns:a16="http://schemas.microsoft.com/office/drawing/2014/main" id="{BAEB1E73-735B-3E43-8D83-C2598B1390B1}"/>
-              </a:ext>
-            </a:extLst>
-          </p:cNvPr>
-          <p:cNvPicPr>
-            <a:picLocks noChangeAspect="1"/>
-          </p:cNvPicPr>
-          <p:nvPr/>
-        </p:nvPicPr>
-        <p:blipFill>
-          <a:blip r:embed="rId3"/>
-          <a:stretch>
-            <a:fillRect/>
-          </a:stretch>
-        </p:blipFill>
-        <p:spPr>
-          <a:xfrm>
-            <a:off x="2452731" y="2296885"/>
-            <a:ext cx="4227111" cy="2100263"/>
-          </a:xfrm>
-          <a:prstGeom prst="rect">
-            <a:avLst/>
-          </a:prstGeom>
-        </p:spPr>
-      </p:pic>
-    </p:spTree>
-    <p:extLst>
-      <p:ext uri="{BB962C8B-B14F-4D97-AF65-F5344CB8AC3E}">
-        <p14:creationId xmlns:p14="http://schemas.microsoft.com/office/powerpoint/2010/main" val="2652355391"/>
       </p:ext>
     </p:extLst>
   </p:cSld>
